--- a/docs/Spring Data JPA -Guy Barak.pptx
+++ b/docs/Spring Data JPA -Guy Barak.pptx
@@ -7,12 +7,19 @@
   <p:sldIdLst>
     <p:sldId id="256" r:id="rId2"/>
     <p:sldId id="257" r:id="rId3"/>
-    <p:sldId id="260" r:id="rId4"/>
-    <p:sldId id="258" r:id="rId5"/>
-    <p:sldId id="259" r:id="rId6"/>
-    <p:sldId id="261" r:id="rId7"/>
-    <p:sldId id="262" r:id="rId8"/>
-    <p:sldId id="263" r:id="rId9"/>
+    <p:sldId id="268" r:id="rId4"/>
+    <p:sldId id="269" r:id="rId5"/>
+    <p:sldId id="260" r:id="rId6"/>
+    <p:sldId id="258" r:id="rId7"/>
+    <p:sldId id="259" r:id="rId8"/>
+    <p:sldId id="267" r:id="rId9"/>
+    <p:sldId id="261" r:id="rId10"/>
+    <p:sldId id="262" r:id="rId11"/>
+    <p:sldId id="263" r:id="rId12"/>
+    <p:sldId id="264" r:id="rId13"/>
+    <p:sldId id="266" r:id="rId14"/>
+    <p:sldId id="265" r:id="rId15"/>
+    <p:sldId id="270" r:id="rId16"/>
   </p:sldIdLst>
   <p:sldSz cx="12192000" cy="6858000"/>
   <p:notesSz cx="6858000" cy="9144000"/>
@@ -317,7 +324,7 @@
           <a:p>
             <a:fld id="{17B5880A-4054-489B-8995-3DDF56BDD813}" type="datetimeFigureOut">
               <a:rPr lang="en-IL" smtClean="0"/>
-              <a:t>09/05/2023</a:t>
+              <a:t>10/05/2023</a:t>
             </a:fld>
             <a:endParaRPr lang="en-IL"/>
           </a:p>
@@ -592,7 +599,7 @@
           <a:p>
             <a:fld id="{17B5880A-4054-489B-8995-3DDF56BDD813}" type="datetimeFigureOut">
               <a:rPr lang="en-IL" smtClean="0"/>
-              <a:t>09/05/2023</a:t>
+              <a:t>10/05/2023</a:t>
             </a:fld>
             <a:endParaRPr lang="en-IL"/>
           </a:p>
@@ -786,7 +793,7 @@
           <a:p>
             <a:fld id="{17B5880A-4054-489B-8995-3DDF56BDD813}" type="datetimeFigureOut">
               <a:rPr lang="en-IL" smtClean="0"/>
-              <a:t>09/05/2023</a:t>
+              <a:t>10/05/2023</a:t>
             </a:fld>
             <a:endParaRPr lang="en-IL"/>
           </a:p>
@@ -1059,7 +1066,7 @@
           <a:p>
             <a:fld id="{17B5880A-4054-489B-8995-3DDF56BDD813}" type="datetimeFigureOut">
               <a:rPr lang="en-IL" smtClean="0"/>
-              <a:t>09/05/2023</a:t>
+              <a:t>10/05/2023</a:t>
             </a:fld>
             <a:endParaRPr lang="en-IL"/>
           </a:p>
@@ -1400,7 +1407,7 @@
           <a:p>
             <a:fld id="{17B5880A-4054-489B-8995-3DDF56BDD813}" type="datetimeFigureOut">
               <a:rPr lang="en-IL" smtClean="0"/>
-              <a:t>09/05/2023</a:t>
+              <a:t>10/05/2023</a:t>
             </a:fld>
             <a:endParaRPr lang="en-IL"/>
           </a:p>
@@ -2023,7 +2030,7 @@
           <a:p>
             <a:fld id="{17B5880A-4054-489B-8995-3DDF56BDD813}" type="datetimeFigureOut">
               <a:rPr lang="en-IL" smtClean="0"/>
-              <a:t>09/05/2023</a:t>
+              <a:t>10/05/2023</a:t>
             </a:fld>
             <a:endParaRPr lang="en-IL"/>
           </a:p>
@@ -2883,7 +2890,7 @@
           <a:p>
             <a:fld id="{17B5880A-4054-489B-8995-3DDF56BDD813}" type="datetimeFigureOut">
               <a:rPr lang="en-IL" smtClean="0"/>
-              <a:t>09/05/2023</a:t>
+              <a:t>10/05/2023</a:t>
             </a:fld>
             <a:endParaRPr lang="en-IL"/>
           </a:p>
@@ -3053,7 +3060,7 @@
           <a:p>
             <a:fld id="{17B5880A-4054-489B-8995-3DDF56BDD813}" type="datetimeFigureOut">
               <a:rPr lang="en-IL" smtClean="0"/>
-              <a:t>09/05/2023</a:t>
+              <a:t>10/05/2023</a:t>
             </a:fld>
             <a:endParaRPr lang="en-IL"/>
           </a:p>
@@ -3233,7 +3240,7 @@
           <a:p>
             <a:fld id="{17B5880A-4054-489B-8995-3DDF56BDD813}" type="datetimeFigureOut">
               <a:rPr lang="en-IL" smtClean="0"/>
-              <a:t>09/05/2023</a:t>
+              <a:t>10/05/2023</a:t>
             </a:fld>
             <a:endParaRPr lang="en-IL"/>
           </a:p>
@@ -3403,7 +3410,7 @@
           <a:p>
             <a:fld id="{17B5880A-4054-489B-8995-3DDF56BDD813}" type="datetimeFigureOut">
               <a:rPr lang="en-IL" smtClean="0"/>
-              <a:t>09/05/2023</a:t>
+              <a:t>10/05/2023</a:t>
             </a:fld>
             <a:endParaRPr lang="en-IL"/>
           </a:p>
@@ -3650,7 +3657,7 @@
           <a:p>
             <a:fld id="{17B5880A-4054-489B-8995-3DDF56BDD813}" type="datetimeFigureOut">
               <a:rPr lang="en-IL" smtClean="0"/>
-              <a:t>09/05/2023</a:t>
+              <a:t>10/05/2023</a:t>
             </a:fld>
             <a:endParaRPr lang="en-IL"/>
           </a:p>
@@ -3942,7 +3949,7 @@
           <a:p>
             <a:fld id="{17B5880A-4054-489B-8995-3DDF56BDD813}" type="datetimeFigureOut">
               <a:rPr lang="en-IL" smtClean="0"/>
-              <a:t>09/05/2023</a:t>
+              <a:t>10/05/2023</a:t>
             </a:fld>
             <a:endParaRPr lang="en-IL"/>
           </a:p>
@@ -4386,7 +4393,7 @@
           <a:p>
             <a:fld id="{17B5880A-4054-489B-8995-3DDF56BDD813}" type="datetimeFigureOut">
               <a:rPr lang="en-IL" smtClean="0"/>
-              <a:t>09/05/2023</a:t>
+              <a:t>10/05/2023</a:t>
             </a:fld>
             <a:endParaRPr lang="en-IL"/>
           </a:p>
@@ -4504,7 +4511,7 @@
           <a:p>
             <a:fld id="{17B5880A-4054-489B-8995-3DDF56BDD813}" type="datetimeFigureOut">
               <a:rPr lang="en-IL" smtClean="0"/>
-              <a:t>09/05/2023</a:t>
+              <a:t>10/05/2023</a:t>
             </a:fld>
             <a:endParaRPr lang="en-IL"/>
           </a:p>
@@ -4599,7 +4606,7 @@
           <a:p>
             <a:fld id="{17B5880A-4054-489B-8995-3DDF56BDD813}" type="datetimeFigureOut">
               <a:rPr lang="en-IL" smtClean="0"/>
-              <a:t>09/05/2023</a:t>
+              <a:t>10/05/2023</a:t>
             </a:fld>
             <a:endParaRPr lang="en-IL"/>
           </a:p>
@@ -4878,7 +4885,7 @@
           <a:p>
             <a:fld id="{17B5880A-4054-489B-8995-3DDF56BDD813}" type="datetimeFigureOut">
               <a:rPr lang="en-IL" smtClean="0"/>
-              <a:t>09/05/2023</a:t>
+              <a:t>10/05/2023</a:t>
             </a:fld>
             <a:endParaRPr lang="en-IL"/>
           </a:p>
@@ -5153,7 +5160,7 @@
           <a:p>
             <a:fld id="{17B5880A-4054-489B-8995-3DDF56BDD813}" type="datetimeFigureOut">
               <a:rPr lang="en-IL" smtClean="0"/>
-              <a:t>09/05/2023</a:t>
+              <a:t>10/05/2023</a:t>
             </a:fld>
             <a:endParaRPr lang="en-IL"/>
           </a:p>
@@ -5582,7 +5589,7 @@
           <a:p>
             <a:fld id="{17B5880A-4054-489B-8995-3DDF56BDD813}" type="datetimeFigureOut">
               <a:rPr lang="en-IL" smtClean="0"/>
-              <a:t>09/05/2023</a:t>
+              <a:t>10/05/2023</a:t>
             </a:fld>
             <a:endParaRPr lang="en-IL"/>
           </a:p>
@@ -6177,6 +6184,1039 @@
 </p:sld>
 </file>
 
+<file path=ppt/slides/slide10.xml><?xml version="1.0" encoding="utf-8"?>
+<p:sld xmlns:a="http://schemas.openxmlformats.org/drawingml/2006/main" xmlns:r="http://schemas.openxmlformats.org/officeDocument/2006/relationships" xmlns:p="http://schemas.openxmlformats.org/presentationml/2006/main">
+  <p:cSld>
+    <p:spTree>
+      <p:nvGrpSpPr>
+        <p:cNvPr id="1" name=""/>
+        <p:cNvGrpSpPr/>
+        <p:nvPr/>
+      </p:nvGrpSpPr>
+      <p:grpSpPr>
+        <a:xfrm>
+          <a:off x="0" y="0"/>
+          <a:ext cx="0" cy="0"/>
+          <a:chOff x="0" y="0"/>
+          <a:chExt cx="0" cy="0"/>
+        </a:xfrm>
+      </p:grpSpPr>
+      <p:sp>
+        <p:nvSpPr>
+          <p:cNvPr id="2" name="Title 1">
+            <a:extLst>
+              <a:ext uri="{FF2B5EF4-FFF2-40B4-BE49-F238E27FC236}">
+                <a16:creationId xmlns:a16="http://schemas.microsoft.com/office/drawing/2014/main" id="{9F02F570-DAAE-3B12-E48D-6747E411C083}"/>
+              </a:ext>
+            </a:extLst>
+          </p:cNvPr>
+          <p:cNvSpPr>
+            <a:spLocks noGrp="1"/>
+          </p:cNvSpPr>
+          <p:nvPr>
+            <p:ph type="title"/>
+          </p:nvPr>
+        </p:nvSpPr>
+        <p:spPr/>
+        <p:txBody>
+          <a:bodyPr/>
+          <a:lstStyle/>
+          <a:p>
+            <a:pPr algn="r" rtl="1"/>
+            <a:r>
+              <a:rPr lang="en-US" dirty="0"/>
+              <a:t>Data Access Layer</a:t>
+            </a:r>
+            <a:endParaRPr lang="en-IL" dirty="0"/>
+          </a:p>
+        </p:txBody>
+      </p:sp>
+      <p:sp>
+        <p:nvSpPr>
+          <p:cNvPr id="3" name="Content Placeholder 2">
+            <a:extLst>
+              <a:ext uri="{FF2B5EF4-FFF2-40B4-BE49-F238E27FC236}">
+                <a16:creationId xmlns:a16="http://schemas.microsoft.com/office/drawing/2014/main" id="{611AACD8-8E2F-07A7-8E1F-3C410A71E4DE}"/>
+              </a:ext>
+            </a:extLst>
+          </p:cNvPr>
+          <p:cNvSpPr>
+            <a:spLocks noGrp="1"/>
+          </p:cNvSpPr>
+          <p:nvPr>
+            <p:ph idx="1"/>
+          </p:nvPr>
+        </p:nvSpPr>
+        <p:spPr/>
+        <p:txBody>
+          <a:bodyPr/>
+          <a:lstStyle/>
+          <a:p>
+            <a:pPr marL="0" indent="0" algn="r">
+              <a:buNone/>
+            </a:pPr>
+            <a:r>
+              <a:rPr lang="he-IL" dirty="0"/>
+              <a:t>ניצור ריפוזיטורי עבור כל ישות בצורה הבאה:</a:t>
+            </a:r>
+          </a:p>
+          <a:p>
+            <a:pPr marL="0" indent="0" algn="r">
+              <a:buNone/>
+            </a:pPr>
+            <a:endParaRPr lang="he-IL" dirty="0"/>
+          </a:p>
+          <a:p>
+            <a:pPr marL="0" indent="0" algn="r">
+              <a:buNone/>
+            </a:pPr>
+            <a:endParaRPr lang="en-IL" dirty="0"/>
+          </a:p>
+        </p:txBody>
+      </p:sp>
+      <p:pic>
+        <p:nvPicPr>
+          <p:cNvPr id="7" name="Picture 6">
+            <a:extLst>
+              <a:ext uri="{FF2B5EF4-FFF2-40B4-BE49-F238E27FC236}">
+                <a16:creationId xmlns:a16="http://schemas.microsoft.com/office/drawing/2014/main" id="{564B11B1-9E08-F415-5E37-C678E03CAEEB}"/>
+              </a:ext>
+            </a:extLst>
+          </p:cNvPr>
+          <p:cNvPicPr>
+            <a:picLocks noChangeAspect="1"/>
+          </p:cNvPicPr>
+          <p:nvPr/>
+        </p:nvPicPr>
+        <p:blipFill>
+          <a:blip r:embed="rId2"/>
+          <a:stretch>
+            <a:fillRect/>
+          </a:stretch>
+        </p:blipFill>
+        <p:spPr>
+          <a:xfrm>
+            <a:off x="2648138" y="2849541"/>
+            <a:ext cx="6511842" cy="2884493"/>
+          </a:xfrm>
+          <a:prstGeom prst="rect">
+            <a:avLst/>
+          </a:prstGeom>
+        </p:spPr>
+      </p:pic>
+      <p:sp>
+        <p:nvSpPr>
+          <p:cNvPr id="9" name="Arrow: Left 8">
+            <a:extLst>
+              <a:ext uri="{FF2B5EF4-FFF2-40B4-BE49-F238E27FC236}">
+                <a16:creationId xmlns:a16="http://schemas.microsoft.com/office/drawing/2014/main" id="{4B763AA0-6D99-5159-35D3-DB881B88BDCE}"/>
+              </a:ext>
+            </a:extLst>
+          </p:cNvPr>
+          <p:cNvSpPr/>
+          <p:nvPr/>
+        </p:nvSpPr>
+        <p:spPr>
+          <a:xfrm rot="20408143">
+            <a:off x="8105717" y="4572411"/>
+            <a:ext cx="1011382" cy="429491"/>
+          </a:xfrm>
+          <a:prstGeom prst="leftArrow">
+            <a:avLst/>
+          </a:prstGeom>
+          <a:solidFill>
+            <a:schemeClr val="tx1"/>
+          </a:solidFill>
+        </p:spPr>
+        <p:style>
+          <a:lnRef idx="2">
+            <a:schemeClr val="accent1">
+              <a:shade val="50000"/>
+            </a:schemeClr>
+          </a:lnRef>
+          <a:fillRef idx="1">
+            <a:schemeClr val="accent1"/>
+          </a:fillRef>
+          <a:effectRef idx="0">
+            <a:schemeClr val="accent1"/>
+          </a:effectRef>
+          <a:fontRef idx="minor">
+            <a:schemeClr val="lt1"/>
+          </a:fontRef>
+        </p:style>
+        <p:txBody>
+          <a:bodyPr rtlCol="0" anchor="ctr"/>
+          <a:lstStyle/>
+          <a:p>
+            <a:pPr algn="ctr"/>
+            <a:endParaRPr lang="en-IL"/>
+          </a:p>
+        </p:txBody>
+      </p:sp>
+      <p:sp>
+        <p:nvSpPr>
+          <p:cNvPr id="10" name="Rectangle 9">
+            <a:extLst>
+              <a:ext uri="{FF2B5EF4-FFF2-40B4-BE49-F238E27FC236}">
+                <a16:creationId xmlns:a16="http://schemas.microsoft.com/office/drawing/2014/main" id="{19626CC0-750E-D6C1-CFA5-1C4D6587BB3E}"/>
+              </a:ext>
+            </a:extLst>
+          </p:cNvPr>
+          <p:cNvSpPr/>
+          <p:nvPr/>
+        </p:nvSpPr>
+        <p:spPr>
+          <a:xfrm>
+            <a:off x="9159980" y="4101631"/>
+            <a:ext cx="1928708" cy="782096"/>
+          </a:xfrm>
+          <a:prstGeom prst="rect">
+            <a:avLst/>
+          </a:prstGeom>
+          <a:solidFill>
+            <a:schemeClr val="tx1"/>
+          </a:solidFill>
+        </p:spPr>
+        <p:style>
+          <a:lnRef idx="2">
+            <a:schemeClr val="accent1">
+              <a:shade val="50000"/>
+            </a:schemeClr>
+          </a:lnRef>
+          <a:fillRef idx="1">
+            <a:schemeClr val="accent1"/>
+          </a:fillRef>
+          <a:effectRef idx="0">
+            <a:schemeClr val="accent1"/>
+          </a:effectRef>
+          <a:fontRef idx="minor">
+            <a:schemeClr val="lt1"/>
+          </a:fontRef>
+        </p:style>
+        <p:txBody>
+          <a:bodyPr rtlCol="0" anchor="ctr"/>
+          <a:lstStyle/>
+          <a:p>
+            <a:pPr algn="ctr"/>
+            <a:r>
+              <a:rPr lang="he-IL" dirty="0">
+                <a:solidFill>
+                  <a:schemeClr val="bg1"/>
+                </a:solidFill>
+              </a:rPr>
+              <a:t>טיפוס המפתח.</a:t>
+            </a:r>
+            <a:br>
+              <a:rPr lang="en-US" dirty="0">
+                <a:solidFill>
+                  <a:schemeClr val="bg1"/>
+                </a:solidFill>
+              </a:rPr>
+            </a:br>
+            <a:r>
+              <a:rPr lang="he-IL" dirty="0">
+                <a:solidFill>
+                  <a:schemeClr val="bg1"/>
+                </a:solidFill>
+              </a:rPr>
+              <a:t>במקרה שלנו</a:t>
+            </a:r>
+            <a:r>
+              <a:rPr lang="en-US" dirty="0">
+                <a:solidFill>
+                  <a:schemeClr val="bg1"/>
+                </a:solidFill>
+              </a:rPr>
+              <a:t> UUID </a:t>
+            </a:r>
+            <a:endParaRPr lang="en-IL" dirty="0">
+              <a:solidFill>
+                <a:schemeClr val="bg1"/>
+              </a:solidFill>
+            </a:endParaRPr>
+          </a:p>
+        </p:txBody>
+      </p:sp>
+    </p:spTree>
+    <p:extLst>
+      <p:ext uri="{BB962C8B-B14F-4D97-AF65-F5344CB8AC3E}">
+        <p14:creationId xmlns:p14="http://schemas.microsoft.com/office/powerpoint/2010/main" val="2504251919"/>
+      </p:ext>
+    </p:extLst>
+  </p:cSld>
+  <p:clrMapOvr>
+    <a:masterClrMapping/>
+  </p:clrMapOvr>
+</p:sld>
+</file>
+
+<file path=ppt/slides/slide11.xml><?xml version="1.0" encoding="utf-8"?>
+<p:sld xmlns:a="http://schemas.openxmlformats.org/drawingml/2006/main" xmlns:r="http://schemas.openxmlformats.org/officeDocument/2006/relationships" xmlns:p="http://schemas.openxmlformats.org/presentationml/2006/main">
+  <p:cSld>
+    <p:spTree>
+      <p:nvGrpSpPr>
+        <p:cNvPr id="1" name=""/>
+        <p:cNvGrpSpPr/>
+        <p:nvPr/>
+      </p:nvGrpSpPr>
+      <p:grpSpPr>
+        <a:xfrm>
+          <a:off x="0" y="0"/>
+          <a:ext cx="0" cy="0"/>
+          <a:chOff x="0" y="0"/>
+          <a:chExt cx="0" cy="0"/>
+        </a:xfrm>
+      </p:grpSpPr>
+      <p:sp>
+        <p:nvSpPr>
+          <p:cNvPr id="3" name="Content Placeholder 2">
+            <a:extLst>
+              <a:ext uri="{FF2B5EF4-FFF2-40B4-BE49-F238E27FC236}">
+                <a16:creationId xmlns:a16="http://schemas.microsoft.com/office/drawing/2014/main" id="{F649474A-C899-EB34-55F1-08A0E09D87D2}"/>
+              </a:ext>
+            </a:extLst>
+          </p:cNvPr>
+          <p:cNvSpPr>
+            <a:spLocks noGrp="1"/>
+          </p:cNvSpPr>
+          <p:nvPr>
+            <p:ph idx="1"/>
+          </p:nvPr>
+        </p:nvSpPr>
+        <p:spPr/>
+        <p:txBody>
+          <a:bodyPr/>
+          <a:lstStyle/>
+          <a:p>
+            <a:pPr marL="0" indent="0" algn="r" rtl="1">
+              <a:buNone/>
+            </a:pPr>
+            <a:r>
+              <a:rPr lang="he-IL" dirty="0"/>
+              <a:t>נוסיף את השורות הבאות ב</a:t>
+            </a:r>
+            <a:r>
+              <a:rPr lang="en-US" dirty="0"/>
+              <a:t>SERVICE</a:t>
+            </a:r>
+            <a:r>
+              <a:rPr lang="he-IL" dirty="0"/>
+              <a:t>, ונוכל לבצע את השינויים במסד הנתונים:</a:t>
+            </a:r>
+            <a:br>
+              <a:rPr lang="en-US" dirty="0"/>
+            </a:br>
+            <a:r>
+              <a:rPr lang="he-IL" dirty="0"/>
+              <a:t>(שימו לב, לא מימשנו את הפונקציות האלה ועדין נוכל להשתמש בהן, כמו קסם </a:t>
+            </a:r>
+            <a:r>
+              <a:rPr lang="he-IL" dirty="0">
+                <a:sym typeface="Wingdings" panose="05000000000000000000" pitchFamily="2" charset="2"/>
+              </a:rPr>
+              <a:t> )</a:t>
+            </a:r>
+            <a:endParaRPr lang="en-IL" dirty="0"/>
+          </a:p>
+        </p:txBody>
+      </p:sp>
+      <p:pic>
+        <p:nvPicPr>
+          <p:cNvPr id="5" name="Picture 4">
+            <a:extLst>
+              <a:ext uri="{FF2B5EF4-FFF2-40B4-BE49-F238E27FC236}">
+                <a16:creationId xmlns:a16="http://schemas.microsoft.com/office/drawing/2014/main" id="{D23C032E-7ED2-C6E4-7397-5316272CA571}"/>
+              </a:ext>
+            </a:extLst>
+          </p:cNvPr>
+          <p:cNvPicPr>
+            <a:picLocks noChangeAspect="1"/>
+          </p:cNvPicPr>
+          <p:nvPr/>
+        </p:nvPicPr>
+        <p:blipFill>
+          <a:blip r:embed="rId2"/>
+          <a:stretch>
+            <a:fillRect/>
+          </a:stretch>
+        </p:blipFill>
+        <p:spPr>
+          <a:xfrm>
+            <a:off x="2507834" y="3039022"/>
+            <a:ext cx="6359075" cy="3366260"/>
+          </a:xfrm>
+          <a:prstGeom prst="rect">
+            <a:avLst/>
+          </a:prstGeom>
+        </p:spPr>
+      </p:pic>
+      <p:sp>
+        <p:nvSpPr>
+          <p:cNvPr id="6" name="Title 1">
+            <a:extLst>
+              <a:ext uri="{FF2B5EF4-FFF2-40B4-BE49-F238E27FC236}">
+                <a16:creationId xmlns:a16="http://schemas.microsoft.com/office/drawing/2014/main" id="{41217526-F2F7-4AAE-69ED-CFD7694C761A}"/>
+              </a:ext>
+            </a:extLst>
+          </p:cNvPr>
+          <p:cNvSpPr>
+            <a:spLocks noGrp="1"/>
+          </p:cNvSpPr>
+          <p:nvPr>
+            <p:ph type="title"/>
+          </p:nvPr>
+        </p:nvSpPr>
+        <p:spPr>
+          <a:xfrm>
+            <a:off x="646111" y="452718"/>
+            <a:ext cx="9404723" cy="1400530"/>
+          </a:xfrm>
+        </p:spPr>
+        <p:txBody>
+          <a:bodyPr/>
+          <a:lstStyle/>
+          <a:p>
+            <a:pPr algn="r" rtl="1"/>
+            <a:r>
+              <a:rPr lang="en-US" dirty="0"/>
+              <a:t>Data Access Layer</a:t>
+            </a:r>
+            <a:endParaRPr lang="en-IL" dirty="0"/>
+          </a:p>
+        </p:txBody>
+      </p:sp>
+    </p:spTree>
+    <p:extLst>
+      <p:ext uri="{BB962C8B-B14F-4D97-AF65-F5344CB8AC3E}">
+        <p14:creationId xmlns:p14="http://schemas.microsoft.com/office/powerpoint/2010/main" val="483620779"/>
+      </p:ext>
+    </p:extLst>
+  </p:cSld>
+  <p:clrMapOvr>
+    <a:masterClrMapping/>
+  </p:clrMapOvr>
+</p:sld>
+</file>
+
+<file path=ppt/slides/slide12.xml><?xml version="1.0" encoding="utf-8"?>
+<p:sld xmlns:a="http://schemas.openxmlformats.org/drawingml/2006/main" xmlns:r="http://schemas.openxmlformats.org/officeDocument/2006/relationships" xmlns:p="http://schemas.openxmlformats.org/presentationml/2006/main">
+  <p:cSld>
+    <p:spTree>
+      <p:nvGrpSpPr>
+        <p:cNvPr id="1" name=""/>
+        <p:cNvGrpSpPr/>
+        <p:nvPr/>
+      </p:nvGrpSpPr>
+      <p:grpSpPr>
+        <a:xfrm>
+          <a:off x="0" y="0"/>
+          <a:ext cx="0" cy="0"/>
+          <a:chOff x="0" y="0"/>
+          <a:chExt cx="0" cy="0"/>
+        </a:xfrm>
+      </p:grpSpPr>
+      <p:sp>
+        <p:nvSpPr>
+          <p:cNvPr id="2" name="Title 1">
+            <a:extLst>
+              <a:ext uri="{FF2B5EF4-FFF2-40B4-BE49-F238E27FC236}">
+                <a16:creationId xmlns:a16="http://schemas.microsoft.com/office/drawing/2014/main" id="{46ADD3F4-8648-B8AA-7984-45B9491FDACD}"/>
+              </a:ext>
+            </a:extLst>
+          </p:cNvPr>
+          <p:cNvSpPr>
+            <a:spLocks noGrp="1"/>
+          </p:cNvSpPr>
+          <p:nvPr>
+            <p:ph type="title"/>
+          </p:nvPr>
+        </p:nvSpPr>
+        <p:spPr/>
+        <p:txBody>
+          <a:bodyPr/>
+          <a:lstStyle/>
+          <a:p>
+            <a:pPr algn="r" rtl="1"/>
+            <a:r>
+              <a:rPr lang="en-US" dirty="0"/>
+              <a:t>Transactions </a:t>
+            </a:r>
+            <a:endParaRPr lang="en-IL" dirty="0"/>
+          </a:p>
+        </p:txBody>
+      </p:sp>
+      <p:sp>
+        <p:nvSpPr>
+          <p:cNvPr id="3" name="Content Placeholder 2">
+            <a:extLst>
+              <a:ext uri="{FF2B5EF4-FFF2-40B4-BE49-F238E27FC236}">
+                <a16:creationId xmlns:a16="http://schemas.microsoft.com/office/drawing/2014/main" id="{40A9AB75-4040-E214-4EB0-39F58105E0B5}"/>
+              </a:ext>
+            </a:extLst>
+          </p:cNvPr>
+          <p:cNvSpPr>
+            <a:spLocks noGrp="1"/>
+          </p:cNvSpPr>
+          <p:nvPr>
+            <p:ph idx="1"/>
+          </p:nvPr>
+        </p:nvSpPr>
+        <p:spPr/>
+        <p:txBody>
+          <a:bodyPr/>
+          <a:lstStyle/>
+          <a:p>
+            <a:pPr algn="r" rtl="1"/>
+            <a:r>
+              <a:rPr lang="en-US" dirty="0"/>
+              <a:t>Spring Data </a:t>
+            </a:r>
+            <a:r>
+              <a:rPr lang="he-IL" dirty="0"/>
+              <a:t> מספקת תמיכה בטרנסאקציות באמצעות שימוש ב</a:t>
+            </a:r>
+            <a:r>
+              <a:rPr lang="en-US" dirty="0"/>
+              <a:t>Framework</a:t>
+            </a:r>
+            <a:r>
+              <a:rPr lang="he-IL" dirty="0"/>
+              <a:t> שנקרא </a:t>
+            </a:r>
+            <a:r>
+              <a:rPr lang="en-US" dirty="0"/>
+              <a:t>Spring's transaction management</a:t>
+            </a:r>
+            <a:r>
+              <a:rPr lang="he-IL" dirty="0"/>
+              <a:t>.</a:t>
+            </a:r>
+          </a:p>
+          <a:p>
+            <a:pPr algn="r" rtl="1"/>
+            <a:r>
+              <a:rPr lang="he-IL" dirty="0"/>
+              <a:t>כדי להשתמש בטרנסאקציות עם </a:t>
+            </a:r>
+            <a:r>
+              <a:rPr lang="en-US" dirty="0"/>
+              <a:t>spring Data</a:t>
+            </a:r>
+            <a:r>
+              <a:rPr lang="he-IL" dirty="0"/>
+              <a:t>, </a:t>
+            </a:r>
+            <a:r>
+              <a:rPr lang="en-US" dirty="0"/>
+              <a:t> </a:t>
+            </a:r>
+            <a:r>
+              <a:rPr lang="he-IL" dirty="0"/>
+              <a:t>נוסיף את ההערה</a:t>
+            </a:r>
+            <a:r>
+              <a:rPr lang="en-US" dirty="0"/>
+              <a:t>Transactional </a:t>
+            </a:r>
+            <a:r>
+              <a:rPr lang="he-IL" dirty="0"/>
+              <a:t>@ לשיטות ה-</a:t>
+            </a:r>
+            <a:r>
+              <a:rPr lang="en-US" dirty="0"/>
+              <a:t>repository</a:t>
+            </a:r>
+            <a:r>
+              <a:rPr lang="he-IL" dirty="0"/>
+              <a:t>.</a:t>
+            </a:r>
+          </a:p>
+          <a:p>
+            <a:pPr algn="r" rtl="1"/>
+            <a:r>
+              <a:rPr lang="he-IL" dirty="0"/>
+              <a:t>ייתרונות עיקריים: עקביות ונוחות.</a:t>
+            </a:r>
+            <a:endParaRPr lang="en-IL" dirty="0"/>
+          </a:p>
+        </p:txBody>
+      </p:sp>
+    </p:spTree>
+    <p:extLst>
+      <p:ext uri="{BB962C8B-B14F-4D97-AF65-F5344CB8AC3E}">
+        <p14:creationId xmlns:p14="http://schemas.microsoft.com/office/powerpoint/2010/main" val="3039660004"/>
+      </p:ext>
+    </p:extLst>
+  </p:cSld>
+  <p:clrMapOvr>
+    <a:masterClrMapping/>
+  </p:clrMapOvr>
+</p:sld>
+</file>
+
+<file path=ppt/slides/slide13.xml><?xml version="1.0" encoding="utf-8"?>
+<p:sld xmlns:a="http://schemas.openxmlformats.org/drawingml/2006/main" xmlns:r="http://schemas.openxmlformats.org/officeDocument/2006/relationships" xmlns:p="http://schemas.openxmlformats.org/presentationml/2006/main">
+  <p:cSld>
+    <p:spTree>
+      <p:nvGrpSpPr>
+        <p:cNvPr id="1" name=""/>
+        <p:cNvGrpSpPr/>
+        <p:nvPr/>
+      </p:nvGrpSpPr>
+      <p:grpSpPr>
+        <a:xfrm>
+          <a:off x="0" y="0"/>
+          <a:ext cx="0" cy="0"/>
+          <a:chOff x="0" y="0"/>
+          <a:chExt cx="0" cy="0"/>
+        </a:xfrm>
+      </p:grpSpPr>
+      <p:sp>
+        <p:nvSpPr>
+          <p:cNvPr id="2" name="Title 1">
+            <a:extLst>
+              <a:ext uri="{FF2B5EF4-FFF2-40B4-BE49-F238E27FC236}">
+                <a16:creationId xmlns:a16="http://schemas.microsoft.com/office/drawing/2014/main" id="{035EFBEC-C4FC-BC29-F063-3EC4906F4417}"/>
+              </a:ext>
+            </a:extLst>
+          </p:cNvPr>
+          <p:cNvSpPr>
+            <a:spLocks noGrp="1"/>
+          </p:cNvSpPr>
+          <p:nvPr>
+            <p:ph type="title"/>
+          </p:nvPr>
+        </p:nvSpPr>
+        <p:spPr/>
+        <p:txBody>
+          <a:bodyPr/>
+          <a:lstStyle/>
+          <a:p>
+            <a:pPr algn="r"/>
+            <a:r>
+              <a:rPr lang="he-IL" dirty="0"/>
+              <a:t>מצבי אי תאימות</a:t>
+            </a:r>
+            <a:endParaRPr lang="en-IL" dirty="0"/>
+          </a:p>
+        </p:txBody>
+      </p:sp>
+      <p:sp>
+        <p:nvSpPr>
+          <p:cNvPr id="3" name="Content Placeholder 2">
+            <a:extLst>
+              <a:ext uri="{FF2B5EF4-FFF2-40B4-BE49-F238E27FC236}">
+                <a16:creationId xmlns:a16="http://schemas.microsoft.com/office/drawing/2014/main" id="{BFDB2C15-007C-C9FA-B483-93B2BDEAFCE8}"/>
+              </a:ext>
+            </a:extLst>
+          </p:cNvPr>
+          <p:cNvSpPr>
+            <a:spLocks noGrp="1"/>
+          </p:cNvSpPr>
+          <p:nvPr>
+            <p:ph idx="1"/>
+          </p:nvPr>
+        </p:nvSpPr>
+        <p:spPr/>
+        <p:txBody>
+          <a:bodyPr/>
+          <a:lstStyle/>
+          <a:p>
+            <a:pPr marL="0" indent="0" algn="r" rtl="1">
+              <a:buNone/>
+            </a:pPr>
+            <a:r>
+              <a:rPr lang="he-IL" dirty="0"/>
+              <a:t>עם הנוחות נוצרת בעיה – המודל מחליט התנהגויות מסוימות עבורנו.</a:t>
+            </a:r>
+            <a:br>
+              <a:rPr lang="en-US" dirty="0"/>
+            </a:br>
+            <a:endParaRPr lang="he-IL" dirty="0"/>
+          </a:p>
+          <a:p>
+            <a:pPr marL="0" indent="0" algn="r" rtl="1">
+              <a:buNone/>
+            </a:pPr>
+            <a:r>
+              <a:rPr lang="he-IL" dirty="0"/>
+              <a:t>הספרייה עשויה להניח כי קיימים טבלאות או עמודות מסוימות במסד הנתונים, או שמודל הנתונים עוקב אחר דפוס או מוסכמה מסוימת.</a:t>
+            </a:r>
+          </a:p>
+          <a:p>
+            <a:pPr marL="0" indent="0" algn="r" rtl="1">
+              <a:buNone/>
+            </a:pPr>
+            <a:r>
+              <a:rPr lang="he-IL" dirty="0"/>
+              <a:t>כיצד נתמודד?</a:t>
+            </a:r>
+            <a:endParaRPr lang="en-IL" dirty="0"/>
+          </a:p>
+        </p:txBody>
+      </p:sp>
+    </p:spTree>
+    <p:extLst>
+      <p:ext uri="{BB962C8B-B14F-4D97-AF65-F5344CB8AC3E}">
+        <p14:creationId xmlns:p14="http://schemas.microsoft.com/office/powerpoint/2010/main" val="4261240276"/>
+      </p:ext>
+    </p:extLst>
+  </p:cSld>
+  <p:clrMapOvr>
+    <a:masterClrMapping/>
+  </p:clrMapOvr>
+</p:sld>
+</file>
+
+<file path=ppt/slides/slide14.xml><?xml version="1.0" encoding="utf-8"?>
+<p:sld xmlns:a="http://schemas.openxmlformats.org/drawingml/2006/main" xmlns:r="http://schemas.openxmlformats.org/officeDocument/2006/relationships" xmlns:p="http://schemas.openxmlformats.org/presentationml/2006/main">
+  <p:cSld>
+    <p:spTree>
+      <p:nvGrpSpPr>
+        <p:cNvPr id="1" name=""/>
+        <p:cNvGrpSpPr/>
+        <p:nvPr/>
+      </p:nvGrpSpPr>
+      <p:grpSpPr>
+        <a:xfrm>
+          <a:off x="0" y="0"/>
+          <a:ext cx="0" cy="0"/>
+          <a:chOff x="0" y="0"/>
+          <a:chExt cx="0" cy="0"/>
+        </a:xfrm>
+      </p:grpSpPr>
+      <p:sp>
+        <p:nvSpPr>
+          <p:cNvPr id="2" name="Title 1">
+            <a:extLst>
+              <a:ext uri="{FF2B5EF4-FFF2-40B4-BE49-F238E27FC236}">
+                <a16:creationId xmlns:a16="http://schemas.microsoft.com/office/drawing/2014/main" id="{035EFBEC-C4FC-BC29-F063-3EC4906F4417}"/>
+              </a:ext>
+            </a:extLst>
+          </p:cNvPr>
+          <p:cNvSpPr>
+            <a:spLocks noGrp="1"/>
+          </p:cNvSpPr>
+          <p:nvPr>
+            <p:ph type="title"/>
+          </p:nvPr>
+        </p:nvSpPr>
+        <p:spPr/>
+        <p:txBody>
+          <a:bodyPr/>
+          <a:lstStyle/>
+          <a:p>
+            <a:pPr algn="r"/>
+            <a:r>
+              <a:rPr lang="he-IL" dirty="0"/>
+              <a:t>מצבי אי תאימות</a:t>
+            </a:r>
+            <a:endParaRPr lang="en-IL" dirty="0"/>
+          </a:p>
+        </p:txBody>
+      </p:sp>
+      <p:sp>
+        <p:nvSpPr>
+          <p:cNvPr id="3" name="Content Placeholder 2">
+            <a:extLst>
+              <a:ext uri="{FF2B5EF4-FFF2-40B4-BE49-F238E27FC236}">
+                <a16:creationId xmlns:a16="http://schemas.microsoft.com/office/drawing/2014/main" id="{BFDB2C15-007C-C9FA-B483-93B2BDEAFCE8}"/>
+              </a:ext>
+            </a:extLst>
+          </p:cNvPr>
+          <p:cNvSpPr>
+            <a:spLocks noGrp="1"/>
+          </p:cNvSpPr>
+          <p:nvPr>
+            <p:ph idx="1"/>
+          </p:nvPr>
+        </p:nvSpPr>
+        <p:spPr/>
+        <p:txBody>
+          <a:bodyPr/>
+          <a:lstStyle/>
+          <a:p>
+            <a:pPr marL="0" indent="0" algn="r" rtl="1">
+              <a:buNone/>
+            </a:pPr>
+            <a:r>
+              <a:rPr lang="he-IL" sz="2800" u="sng" dirty="0"/>
+              <a:t>התמודדות עם היררכיית מחלקות</a:t>
+            </a:r>
+            <a:r>
+              <a:rPr lang="en-US" sz="2800" u="sng" dirty="0"/>
+              <a:t>:</a:t>
+            </a:r>
+            <a:br>
+              <a:rPr lang="en-US" u="sng" dirty="0"/>
+            </a:br>
+            <a:endParaRPr lang="en-US" u="sng" dirty="0"/>
+          </a:p>
+          <a:p>
+            <a:pPr marL="457200" indent="-457200" algn="r" rtl="1">
+              <a:buFont typeface="+mj-lt"/>
+              <a:buAutoNum type="arabicPeriod"/>
+            </a:pPr>
+            <a:r>
+              <a:rPr lang="he-IL" u="sng" dirty="0"/>
+              <a:t>מיפוי ירושה:</a:t>
+            </a:r>
+            <a:r>
+              <a:rPr lang="he-IL" dirty="0"/>
+              <a:t> ניתן למפות היררכיית מחלקה לטבלת מסד נתונים או לקבוצת טבלאות בדרכים שונות.</a:t>
+            </a:r>
+          </a:p>
+          <a:p>
+            <a:pPr marL="457200" indent="-457200" algn="r" rtl="1">
+              <a:buFont typeface="+mj-lt"/>
+              <a:buAutoNum type="arabicPeriod"/>
+            </a:pPr>
+            <a:r>
+              <a:rPr lang="en-US" u="sng" dirty="0"/>
+              <a:t>@MappedSuperclass</a:t>
+            </a:r>
+            <a:r>
+              <a:rPr lang="he-IL" u="sng" dirty="0"/>
+              <a:t>:</a:t>
+            </a:r>
+            <a:r>
+              <a:rPr lang="he-IL" dirty="0"/>
+              <a:t> מחלקת על שעוטפת את כל האוביקטים ה"בעיתיים". תתי המחלקות ירשו ממנה ויחזיקו בתכונות שלה.</a:t>
+            </a:r>
+          </a:p>
+          <a:p>
+            <a:pPr marL="457200" indent="-457200" algn="r" rtl="1">
+              <a:buFont typeface="+mj-lt"/>
+              <a:buAutoNum type="arabicPeriod"/>
+            </a:pPr>
+            <a:r>
+              <a:rPr lang="en-US" u="sng" dirty="0"/>
+              <a:t>@Inheritance</a:t>
+            </a:r>
+            <a:r>
+              <a:rPr lang="he-IL" u="sng" dirty="0"/>
+              <a:t>:</a:t>
+            </a:r>
+            <a:r>
+              <a:rPr lang="he-IL" dirty="0"/>
+              <a:t> מציין את אסטרטגיית ההורשה עבור היררכיית ישויות. ניתן להשתמש בהערה זו בשילוב עם הערות אחרות של </a:t>
+            </a:r>
+            <a:r>
+              <a:rPr lang="en-US" dirty="0"/>
+              <a:t>JPA</a:t>
+            </a:r>
+            <a:r>
+              <a:rPr lang="he-IL" dirty="0"/>
+              <a:t> כדי להגדיר בפירוש את ההיררכיה.</a:t>
+            </a:r>
+            <a:endParaRPr lang="he-IL" u="sng" dirty="0"/>
+          </a:p>
+        </p:txBody>
+      </p:sp>
+    </p:spTree>
+    <p:extLst>
+      <p:ext uri="{BB962C8B-B14F-4D97-AF65-F5344CB8AC3E}">
+        <p14:creationId xmlns:p14="http://schemas.microsoft.com/office/powerpoint/2010/main" val="2152652866"/>
+      </p:ext>
+    </p:extLst>
+  </p:cSld>
+  <p:clrMapOvr>
+    <a:masterClrMapping/>
+  </p:clrMapOvr>
+</p:sld>
+</file>
+
+<file path=ppt/slides/slide15.xml><?xml version="1.0" encoding="utf-8"?>
+<p:sld xmlns:a="http://schemas.openxmlformats.org/drawingml/2006/main" xmlns:r="http://schemas.openxmlformats.org/officeDocument/2006/relationships" xmlns:p="http://schemas.openxmlformats.org/presentationml/2006/main">
+  <p:cSld>
+    <p:spTree>
+      <p:nvGrpSpPr>
+        <p:cNvPr id="1" name=""/>
+        <p:cNvGrpSpPr/>
+        <p:nvPr/>
+      </p:nvGrpSpPr>
+      <p:grpSpPr>
+        <a:xfrm>
+          <a:off x="0" y="0"/>
+          <a:ext cx="0" cy="0"/>
+          <a:chOff x="0" y="0"/>
+          <a:chExt cx="0" cy="0"/>
+        </a:xfrm>
+      </p:grpSpPr>
+      <p:sp>
+        <p:nvSpPr>
+          <p:cNvPr id="2" name="Title 1">
+            <a:extLst>
+              <a:ext uri="{FF2B5EF4-FFF2-40B4-BE49-F238E27FC236}">
+                <a16:creationId xmlns:a16="http://schemas.microsoft.com/office/drawing/2014/main" id="{035EFBEC-C4FC-BC29-F063-3EC4906F4417}"/>
+              </a:ext>
+            </a:extLst>
+          </p:cNvPr>
+          <p:cNvSpPr>
+            <a:spLocks noGrp="1"/>
+          </p:cNvSpPr>
+          <p:nvPr>
+            <p:ph type="title"/>
+          </p:nvPr>
+        </p:nvSpPr>
+        <p:spPr/>
+        <p:txBody>
+          <a:bodyPr/>
+          <a:lstStyle/>
+          <a:p>
+            <a:pPr algn="r"/>
+            <a:r>
+              <a:rPr lang="he-IL" dirty="0"/>
+              <a:t>מצבי אי תאימות</a:t>
+            </a:r>
+            <a:endParaRPr lang="en-IL" dirty="0"/>
+          </a:p>
+        </p:txBody>
+      </p:sp>
+      <p:sp>
+        <p:nvSpPr>
+          <p:cNvPr id="3" name="Content Placeholder 2">
+            <a:extLst>
+              <a:ext uri="{FF2B5EF4-FFF2-40B4-BE49-F238E27FC236}">
+                <a16:creationId xmlns:a16="http://schemas.microsoft.com/office/drawing/2014/main" id="{BFDB2C15-007C-C9FA-B483-93B2BDEAFCE8}"/>
+              </a:ext>
+            </a:extLst>
+          </p:cNvPr>
+          <p:cNvSpPr>
+            <a:spLocks noGrp="1"/>
+          </p:cNvSpPr>
+          <p:nvPr>
+            <p:ph idx="1"/>
+          </p:nvPr>
+        </p:nvSpPr>
+        <p:spPr/>
+        <p:txBody>
+          <a:bodyPr/>
+          <a:lstStyle/>
+          <a:p>
+            <a:pPr marL="0" indent="0" algn="r" rtl="1">
+              <a:buNone/>
+            </a:pPr>
+            <a:r>
+              <a:rPr lang="he-IL" sz="2800" u="sng" dirty="0"/>
+              <a:t>שמירת הקשרים של אובייקט לסביבתו</a:t>
+            </a:r>
+            <a:r>
+              <a:rPr lang="en-US" sz="2800" u="sng" dirty="0"/>
+              <a:t>:</a:t>
+            </a:r>
+            <a:br>
+              <a:rPr lang="en-US" u="sng" dirty="0"/>
+            </a:br>
+            <a:endParaRPr lang="en-US" u="sng" dirty="0"/>
+          </a:p>
+          <a:p>
+            <a:pPr marL="457200" indent="-457200" algn="r" rtl="1">
+              <a:buFont typeface="+mj-lt"/>
+              <a:buAutoNum type="arabicPeriod"/>
+            </a:pPr>
+            <a:r>
+              <a:rPr lang="en-US" u="sng" dirty="0"/>
+              <a:t>Cascade</a:t>
+            </a:r>
+            <a:r>
+              <a:rPr lang="he-IL" u="sng" dirty="0"/>
+              <a:t>:</a:t>
+            </a:r>
+            <a:r>
+              <a:rPr lang="he-IL" dirty="0"/>
+              <a:t> ניתן להגדיר פרמטר שנקרא </a:t>
+            </a:r>
+            <a:r>
+              <a:rPr lang="en-US" dirty="0" err="1"/>
+              <a:t>CascadeType</a:t>
+            </a:r>
+            <a:r>
+              <a:rPr lang="he-IL" dirty="0"/>
+              <a:t> כ - </a:t>
+            </a:r>
+            <a:r>
+              <a:rPr lang="en-US" dirty="0"/>
+              <a:t>@OneToMany</a:t>
+            </a:r>
+            <a:r>
+              <a:rPr lang="he-IL" dirty="0"/>
+              <a:t>           ו - @</a:t>
+            </a:r>
+            <a:r>
+              <a:rPr lang="en-US" dirty="0" err="1"/>
+              <a:t>ManyToOne</a:t>
+            </a:r>
+            <a:r>
+              <a:rPr lang="he-IL" dirty="0"/>
+              <a:t>. כך השינויים יתעדכנו באופן אוטומטי במעלה ובמורד ההיררכיה.</a:t>
+            </a:r>
+            <a:endParaRPr lang="en-US" u="sng" dirty="0"/>
+          </a:p>
+          <a:p>
+            <a:pPr marL="457200" indent="-457200" algn="r" rtl="1">
+              <a:buFont typeface="+mj-lt"/>
+              <a:buAutoNum type="arabicPeriod"/>
+            </a:pPr>
+            <a:r>
+              <a:rPr lang="en-US" u="sng" dirty="0"/>
+              <a:t>Lazy loading</a:t>
+            </a:r>
+            <a:r>
+              <a:rPr lang="he-IL" u="sng" dirty="0"/>
+              <a:t>:</a:t>
+            </a:r>
+            <a:r>
+              <a:rPr lang="en-US" dirty="0"/>
+              <a:t> </a:t>
+            </a:r>
+            <a:r>
+              <a:rPr lang="he-IL" dirty="0"/>
+              <a:t>יכול לעזור לשמור על יחסים בין אובייקטים וסביבתם על ידי דחיית הטעינה של ישויות קשורות עד שיידרשו בפועל.</a:t>
+            </a:r>
+          </a:p>
+          <a:p>
+            <a:pPr marL="457200" indent="-457200" algn="r" rtl="1">
+              <a:buFont typeface="+mj-lt"/>
+              <a:buAutoNum type="arabicPeriod"/>
+            </a:pPr>
+            <a:r>
+              <a:rPr lang="he-IL" u="sng" dirty="0"/>
+              <a:t>טרנזקציות:</a:t>
+            </a:r>
+            <a:r>
+              <a:rPr lang="en-US" dirty="0"/>
+              <a:t> </a:t>
+            </a:r>
+            <a:r>
+              <a:rPr lang="he-IL" dirty="0"/>
+              <a:t>שימוש נכון בניהול הטרנזקציות של </a:t>
+            </a:r>
+            <a:r>
+              <a:rPr lang="en-US" dirty="0"/>
+              <a:t>spring</a:t>
+            </a:r>
+            <a:r>
+              <a:rPr lang="he-IL" dirty="0"/>
+              <a:t> יעזור לנו לשמור על קשרים בין אובייקטים וסביבתם. כל הפעולות יהיו אטומיות ועקביות.</a:t>
+            </a:r>
+            <a:endParaRPr lang="he-IL" u="sng" dirty="0"/>
+          </a:p>
+        </p:txBody>
+      </p:sp>
+    </p:spTree>
+    <p:extLst>
+      <p:ext uri="{BB962C8B-B14F-4D97-AF65-F5344CB8AC3E}">
+        <p14:creationId xmlns:p14="http://schemas.microsoft.com/office/powerpoint/2010/main" val="1199455493"/>
+      </p:ext>
+    </p:extLst>
+  </p:cSld>
+  <p:clrMapOvr>
+    <a:masterClrMapping/>
+  </p:clrMapOvr>
+</p:sld>
+</file>
+
 <file path=ppt/slides/slide2.xml><?xml version="1.0" encoding="utf-8"?>
 <p:sld xmlns:a="http://schemas.openxmlformats.org/drawingml/2006/main" xmlns:r="http://schemas.openxmlformats.org/officeDocument/2006/relationships" xmlns:p="http://schemas.openxmlformats.org/presentationml/2006/main">
   <p:cSld>
@@ -6289,6 +7329,22 @@
             <a:r>
               <a:rPr lang="he-IL" dirty="0"/>
               <a:t>)</a:t>
+            </a:r>
+            <a:r>
+              <a:rPr lang="en-US" dirty="0"/>
+              <a:t>.</a:t>
+            </a:r>
+            <a:r>
+              <a:rPr lang="he-IL" dirty="0"/>
+              <a:t> הוא מספק מודל תכנות </a:t>
+            </a:r>
+            <a:r>
+              <a:rPr lang="he-IL" u="sng" dirty="0"/>
+              <a:t>עקבי</a:t>
+            </a:r>
+            <a:r>
+              <a:rPr lang="he-IL" dirty="0"/>
+              <a:t> לעבודה עם מאגרי נתונים ומסדי נתונים שונים</a:t>
             </a:r>
           </a:p>
           <a:p>
@@ -6695,86 +7751,6 @@
               <a:buFont typeface="Wingdings 3" charset="2"/>
               <a:buNone/>
             </a:pPr>
-            <a:r>
-              <a:rPr lang="he-IL" dirty="0"/>
-              <a:t>1. יצירת </a:t>
-            </a:r>
-            <a:r>
-              <a:rPr lang="en-US" dirty="0"/>
-              <a:t>DATABASE</a:t>
-            </a:r>
-            <a:r>
-              <a:rPr lang="he-IL" dirty="0"/>
-              <a:t>: נשתמש ב</a:t>
-            </a:r>
-            <a:r>
-              <a:rPr lang="en-US" b="0" i="0" dirty="0">
-                <a:effectLst/>
-                <a:latin typeface="Google Sans"/>
-              </a:rPr>
-              <a:t> PostgreSQL</a:t>
-            </a:r>
-            <a:r>
-              <a:rPr lang="he-IL" b="0" i="0" dirty="0">
-                <a:effectLst/>
-                <a:latin typeface="Google Sans"/>
-              </a:rPr>
-              <a:t>(</a:t>
-            </a:r>
-            <a:r>
-              <a:rPr lang="he-IL" b="0" i="0" dirty="0">
-                <a:effectLst/>
-                <a:latin typeface="arial" panose="020B0604020202020204" pitchFamily="34" charset="0"/>
-              </a:rPr>
-              <a:t>מערכת לניהול בסיס נתונים)</a:t>
-            </a:r>
-            <a:r>
-              <a:rPr lang="he-IL" b="0" i="0" dirty="0">
-                <a:effectLst/>
-                <a:latin typeface="Google Sans"/>
-              </a:rPr>
-              <a:t> ונאתחל דאטא בייס חדש עבור המערכת.</a:t>
-            </a:r>
-          </a:p>
-          <a:p>
-            <a:pPr marL="0" indent="0" algn="r" rtl="1">
-              <a:buFont typeface="Wingdings 3" charset="2"/>
-              <a:buNone/>
-            </a:pPr>
-            <a:endParaRPr lang="he-IL" dirty="0">
-              <a:latin typeface="Google Sans"/>
-            </a:endParaRPr>
-          </a:p>
-          <a:p>
-            <a:pPr marL="0" indent="0" algn="r" rtl="1">
-              <a:buFont typeface="Wingdings 3" charset="2"/>
-              <a:buNone/>
-            </a:pPr>
-            <a:r>
-              <a:rPr lang="he-IL" dirty="0">
-                <a:latin typeface="Google Sans"/>
-              </a:rPr>
-              <a:t>2. הרשאות: נעניק הרשאות "</a:t>
-            </a:r>
-            <a:r>
-              <a:rPr lang="en-US" dirty="0">
-                <a:latin typeface="Google Sans"/>
-              </a:rPr>
-              <a:t>all privileges</a:t>
-            </a:r>
-            <a:r>
-              <a:rPr lang="he-IL" dirty="0">
-                <a:latin typeface="Google Sans"/>
-              </a:rPr>
-              <a:t>" עבור הפרויקט שלנו.</a:t>
-            </a:r>
-            <a:endParaRPr lang="he-IL" dirty="0"/>
-          </a:p>
-          <a:p>
-            <a:pPr marL="0" indent="0" algn="r" rtl="1">
-              <a:buFont typeface="Wingdings 3" charset="2"/>
-              <a:buNone/>
-            </a:pPr>
             <a:endParaRPr lang="en-IL" dirty="0"/>
           </a:p>
         </p:txBody>
@@ -6782,7 +7758,7 @@
     </p:spTree>
     <p:extLst>
       <p:ext uri="{BB962C8B-B14F-4D97-AF65-F5344CB8AC3E}">
-        <p14:creationId xmlns:p14="http://schemas.microsoft.com/office/powerpoint/2010/main" val="1415621277"/>
+        <p14:creationId xmlns:p14="http://schemas.microsoft.com/office/powerpoint/2010/main" val="1904015394"/>
       </p:ext>
     </p:extLst>
   </p:cSld>
@@ -6793,360 +7769,6 @@
 </file>
 
 <file path=ppt/slides/slide4.xml><?xml version="1.0" encoding="utf-8"?>
-<p:sld xmlns:a="http://schemas.openxmlformats.org/drawingml/2006/main" xmlns:r="http://schemas.openxmlformats.org/officeDocument/2006/relationships" xmlns:p="http://schemas.openxmlformats.org/presentationml/2006/main">
-  <p:cSld>
-    <p:spTree>
-      <p:nvGrpSpPr>
-        <p:cNvPr id="1" name=""/>
-        <p:cNvGrpSpPr/>
-        <p:nvPr/>
-      </p:nvGrpSpPr>
-      <p:grpSpPr>
-        <a:xfrm>
-          <a:off x="0" y="0"/>
-          <a:ext cx="0" cy="0"/>
-          <a:chOff x="0" y="0"/>
-          <a:chExt cx="0" cy="0"/>
-        </a:xfrm>
-      </p:grpSpPr>
-      <p:sp>
-        <p:nvSpPr>
-          <p:cNvPr id="2" name="Title 1">
-            <a:extLst>
-              <a:ext uri="{FF2B5EF4-FFF2-40B4-BE49-F238E27FC236}">
-                <a16:creationId xmlns:a16="http://schemas.microsoft.com/office/drawing/2014/main" id="{1A6327BB-4760-FFC6-D0BC-7F8B94D41642}"/>
-              </a:ext>
-            </a:extLst>
-          </p:cNvPr>
-          <p:cNvSpPr>
-            <a:spLocks noGrp="1"/>
-          </p:cNvSpPr>
-          <p:nvPr>
-            <p:ph type="title"/>
-          </p:nvPr>
-        </p:nvSpPr>
-        <p:spPr>
-          <a:xfrm>
-            <a:off x="646111" y="452718"/>
-            <a:ext cx="9404723" cy="905027"/>
-          </a:xfrm>
-        </p:spPr>
-        <p:txBody>
-          <a:bodyPr/>
-          <a:lstStyle/>
-          <a:p>
-            <a:pPr algn="r" rtl="1"/>
-            <a:r>
-              <a:rPr lang="he-IL" dirty="0"/>
-              <a:t>אתחול</a:t>
-            </a:r>
-          </a:p>
-        </p:txBody>
-      </p:sp>
-      <p:sp>
-        <p:nvSpPr>
-          <p:cNvPr id="3" name="Content Placeholder 2">
-            <a:extLst>
-              <a:ext uri="{FF2B5EF4-FFF2-40B4-BE49-F238E27FC236}">
-                <a16:creationId xmlns:a16="http://schemas.microsoft.com/office/drawing/2014/main" id="{DCCD27C1-CFB0-B5A8-EA86-ED5DC801BA1C}"/>
-              </a:ext>
-            </a:extLst>
-          </p:cNvPr>
-          <p:cNvSpPr>
-            <a:spLocks noGrp="1"/>
-          </p:cNvSpPr>
-          <p:nvPr>
-            <p:ph idx="1"/>
-          </p:nvPr>
-        </p:nvSpPr>
-        <p:spPr>
-          <a:xfrm>
-            <a:off x="1103312" y="1828800"/>
-            <a:ext cx="8946541" cy="4419599"/>
-          </a:xfrm>
-        </p:spPr>
-        <p:txBody>
-          <a:bodyPr/>
-          <a:lstStyle/>
-          <a:p>
-            <a:pPr marL="0" indent="0" algn="r" rtl="1">
-              <a:buNone/>
-            </a:pPr>
-            <a:r>
-              <a:rPr lang="he-IL" dirty="0"/>
-              <a:t>3. </a:t>
-            </a:r>
-            <a:r>
-              <a:rPr lang="en-US" dirty="0"/>
-              <a:t>Properties</a:t>
-            </a:r>
-            <a:r>
-              <a:rPr lang="he-IL" dirty="0"/>
-              <a:t>:</a:t>
-            </a:r>
-            <a:endParaRPr lang="en-IL" dirty="0"/>
-          </a:p>
-        </p:txBody>
-      </p:sp>
-      <p:pic>
-        <p:nvPicPr>
-          <p:cNvPr id="7" name="Picture 6">
-            <a:extLst>
-              <a:ext uri="{FF2B5EF4-FFF2-40B4-BE49-F238E27FC236}">
-                <a16:creationId xmlns:a16="http://schemas.microsoft.com/office/drawing/2014/main" id="{08761C0F-A6ED-F63C-4FAA-647D2A639E35}"/>
-              </a:ext>
-            </a:extLst>
-          </p:cNvPr>
-          <p:cNvPicPr>
-            <a:picLocks noChangeAspect="1"/>
-          </p:cNvPicPr>
-          <p:nvPr/>
-        </p:nvPicPr>
-        <p:blipFill>
-          <a:blip r:embed="rId2"/>
-          <a:stretch>
-            <a:fillRect/>
-          </a:stretch>
-        </p:blipFill>
-        <p:spPr>
-          <a:xfrm>
-            <a:off x="583766" y="2819047"/>
-            <a:ext cx="10796146" cy="2895952"/>
-          </a:xfrm>
-          <a:prstGeom prst="rect">
-            <a:avLst/>
-          </a:prstGeom>
-        </p:spPr>
-      </p:pic>
-      <p:sp>
-        <p:nvSpPr>
-          <p:cNvPr id="11" name="Arrow: Down 10">
-            <a:extLst>
-              <a:ext uri="{FF2B5EF4-FFF2-40B4-BE49-F238E27FC236}">
-                <a16:creationId xmlns:a16="http://schemas.microsoft.com/office/drawing/2014/main" id="{DBFAFBB4-3982-7311-84F1-20989723A048}"/>
-              </a:ext>
-            </a:extLst>
-          </p:cNvPr>
-          <p:cNvSpPr/>
-          <p:nvPr/>
-        </p:nvSpPr>
-        <p:spPr>
-          <a:xfrm>
-            <a:off x="7051964" y="2611228"/>
-            <a:ext cx="304800" cy="887045"/>
-          </a:xfrm>
-          <a:prstGeom prst="downArrow">
-            <a:avLst/>
-          </a:prstGeom>
-          <a:solidFill>
-            <a:schemeClr val="tx1"/>
-          </a:solidFill>
-        </p:spPr>
-        <p:style>
-          <a:lnRef idx="2">
-            <a:schemeClr val="accent1">
-              <a:shade val="50000"/>
-            </a:schemeClr>
-          </a:lnRef>
-          <a:fillRef idx="1">
-            <a:schemeClr val="accent1"/>
-          </a:fillRef>
-          <a:effectRef idx="0">
-            <a:schemeClr val="accent1"/>
-          </a:effectRef>
-          <a:fontRef idx="minor">
-            <a:schemeClr val="lt1"/>
-          </a:fontRef>
-        </p:style>
-        <p:txBody>
-          <a:bodyPr rtlCol="0" anchor="ctr"/>
-          <a:lstStyle/>
-          <a:p>
-            <a:pPr algn="ctr"/>
-            <a:endParaRPr lang="en-IL"/>
-          </a:p>
-        </p:txBody>
-      </p:sp>
-      <p:sp>
-        <p:nvSpPr>
-          <p:cNvPr id="12" name="Rectangle 11">
-            <a:extLst>
-              <a:ext uri="{FF2B5EF4-FFF2-40B4-BE49-F238E27FC236}">
-                <a16:creationId xmlns:a16="http://schemas.microsoft.com/office/drawing/2014/main" id="{F93EAC21-D553-A0BF-663E-E8C939419940}"/>
-              </a:ext>
-            </a:extLst>
-          </p:cNvPr>
-          <p:cNvSpPr/>
-          <p:nvPr/>
-        </p:nvSpPr>
-        <p:spPr>
-          <a:xfrm>
-            <a:off x="6328064" y="2077828"/>
-            <a:ext cx="1752600" cy="443345"/>
-          </a:xfrm>
-          <a:prstGeom prst="rect">
-            <a:avLst/>
-          </a:prstGeom>
-          <a:solidFill>
-            <a:schemeClr val="tx1"/>
-          </a:solidFill>
-        </p:spPr>
-        <p:style>
-          <a:lnRef idx="2">
-            <a:schemeClr val="accent1">
-              <a:shade val="50000"/>
-            </a:schemeClr>
-          </a:lnRef>
-          <a:fillRef idx="1">
-            <a:schemeClr val="accent1"/>
-          </a:fillRef>
-          <a:effectRef idx="0">
-            <a:schemeClr val="accent1"/>
-          </a:effectRef>
-          <a:fontRef idx="minor">
-            <a:schemeClr val="lt1"/>
-          </a:fontRef>
-        </p:style>
-        <p:txBody>
-          <a:bodyPr rtlCol="0" anchor="ctr"/>
-          <a:lstStyle/>
-          <a:p>
-            <a:pPr algn="ctr"/>
-            <a:r>
-              <a:rPr lang="he-IL" dirty="0">
-                <a:solidFill>
-                  <a:schemeClr val="bg1"/>
-                </a:solidFill>
-              </a:rPr>
-              <a:t>לינק לדאטא בייס</a:t>
-            </a:r>
-            <a:endParaRPr lang="en-IL" dirty="0">
-              <a:solidFill>
-                <a:schemeClr val="bg1"/>
-              </a:solidFill>
-            </a:endParaRPr>
-          </a:p>
-        </p:txBody>
-      </p:sp>
-      <p:sp>
-        <p:nvSpPr>
-          <p:cNvPr id="13" name="Arrow: Down 12">
-            <a:extLst>
-              <a:ext uri="{FF2B5EF4-FFF2-40B4-BE49-F238E27FC236}">
-                <a16:creationId xmlns:a16="http://schemas.microsoft.com/office/drawing/2014/main" id="{37CEEDAA-D9C0-48F6-76BE-747A1217AEDD}"/>
-              </a:ext>
-            </a:extLst>
-          </p:cNvPr>
-          <p:cNvSpPr/>
-          <p:nvPr/>
-        </p:nvSpPr>
-        <p:spPr>
-          <a:xfrm rot="800013">
-            <a:off x="8790722" y="3566837"/>
-            <a:ext cx="304800" cy="887045"/>
-          </a:xfrm>
-          <a:prstGeom prst="downArrow">
-            <a:avLst/>
-          </a:prstGeom>
-          <a:solidFill>
-            <a:schemeClr val="tx1"/>
-          </a:solidFill>
-        </p:spPr>
-        <p:style>
-          <a:lnRef idx="2">
-            <a:schemeClr val="accent1">
-              <a:shade val="50000"/>
-            </a:schemeClr>
-          </a:lnRef>
-          <a:fillRef idx="1">
-            <a:schemeClr val="accent1"/>
-          </a:fillRef>
-          <a:effectRef idx="0">
-            <a:schemeClr val="accent1"/>
-          </a:effectRef>
-          <a:fontRef idx="minor">
-            <a:schemeClr val="lt1"/>
-          </a:fontRef>
-        </p:style>
-        <p:txBody>
-          <a:bodyPr rtlCol="0" anchor="ctr"/>
-          <a:lstStyle/>
-          <a:p>
-            <a:pPr algn="ctr"/>
-            <a:endParaRPr lang="en-IL"/>
-          </a:p>
-        </p:txBody>
-      </p:sp>
-      <p:sp>
-        <p:nvSpPr>
-          <p:cNvPr id="14" name="Rectangle 13">
-            <a:extLst>
-              <a:ext uri="{FF2B5EF4-FFF2-40B4-BE49-F238E27FC236}">
-                <a16:creationId xmlns:a16="http://schemas.microsoft.com/office/drawing/2014/main" id="{2AB5F817-F893-5E1E-C99F-23218931E582}"/>
-              </a:ext>
-            </a:extLst>
-          </p:cNvPr>
-          <p:cNvSpPr/>
-          <p:nvPr/>
-        </p:nvSpPr>
-        <p:spPr>
-          <a:xfrm>
-            <a:off x="8475531" y="3092665"/>
-            <a:ext cx="1752600" cy="443345"/>
-          </a:xfrm>
-          <a:prstGeom prst="rect">
-            <a:avLst/>
-          </a:prstGeom>
-          <a:solidFill>
-            <a:schemeClr val="tx1"/>
-          </a:solidFill>
-        </p:spPr>
-        <p:style>
-          <a:lnRef idx="2">
-            <a:schemeClr val="accent1">
-              <a:shade val="50000"/>
-            </a:schemeClr>
-          </a:lnRef>
-          <a:fillRef idx="1">
-            <a:schemeClr val="accent1"/>
-          </a:fillRef>
-          <a:effectRef idx="0">
-            <a:schemeClr val="accent1"/>
-          </a:effectRef>
-          <a:fontRef idx="minor">
-            <a:schemeClr val="lt1"/>
-          </a:fontRef>
-        </p:style>
-        <p:txBody>
-          <a:bodyPr rtlCol="0" anchor="ctr"/>
-          <a:lstStyle/>
-          <a:p>
-            <a:pPr algn="ctr"/>
-            <a:r>
-              <a:rPr lang="he-IL" dirty="0">
-                <a:solidFill>
-                  <a:schemeClr val="bg1"/>
-                </a:solidFill>
-              </a:rPr>
-              <a:t>סוג דאטא בייס</a:t>
-            </a:r>
-          </a:p>
-        </p:txBody>
-      </p:sp>
-    </p:spTree>
-    <p:extLst>
-      <p:ext uri="{BB962C8B-B14F-4D97-AF65-F5344CB8AC3E}">
-        <p14:creationId xmlns:p14="http://schemas.microsoft.com/office/powerpoint/2010/main" val="39050849"/>
-      </p:ext>
-    </p:extLst>
-  </p:cSld>
-  <p:clrMapOvr>
-    <a:masterClrMapping/>
-  </p:clrMapOvr>
-</p:sld>
-</file>
-
-<file path=ppt/slides/slide5.xml><?xml version="1.0" encoding="utf-8"?>
 <p:sld xmlns:a="http://schemas.openxmlformats.org/drawingml/2006/main" xmlns:r="http://schemas.openxmlformats.org/officeDocument/2006/relationships" xmlns:p="http://schemas.openxmlformats.org/presentationml/2006/main">
   <p:cSld>
     <p:spTree>
@@ -7458,6 +8080,1140 @@
             </a:pPr>
             <a:r>
               <a:rPr lang="he-IL" dirty="0"/>
+              <a:t>1. יצירת </a:t>
+            </a:r>
+            <a:r>
+              <a:rPr lang="en-US" dirty="0"/>
+              <a:t>DATABASE</a:t>
+            </a:r>
+            <a:r>
+              <a:rPr lang="he-IL" dirty="0"/>
+              <a:t>: נשתמש ב</a:t>
+            </a:r>
+            <a:r>
+              <a:rPr lang="en-US" b="0" i="0" dirty="0">
+                <a:effectLst/>
+                <a:latin typeface="Google Sans"/>
+              </a:rPr>
+              <a:t> PostgreSQL</a:t>
+            </a:r>
+            <a:r>
+              <a:rPr lang="he-IL" b="0" i="0" dirty="0">
+                <a:effectLst/>
+                <a:latin typeface="Google Sans"/>
+              </a:rPr>
+              <a:t>(</a:t>
+            </a:r>
+            <a:r>
+              <a:rPr lang="he-IL" b="0" i="0" dirty="0">
+                <a:effectLst/>
+                <a:latin typeface="arial" panose="020B0604020202020204" pitchFamily="34" charset="0"/>
+              </a:rPr>
+              <a:t>מערכת לניהול בסיס נתונים)</a:t>
+            </a:r>
+            <a:r>
+              <a:rPr lang="he-IL" b="0" i="0" dirty="0">
+                <a:effectLst/>
+                <a:latin typeface="Google Sans"/>
+              </a:rPr>
+              <a:t> ונאתחל דאטא בייס חדש עבור המערכת.</a:t>
+            </a:r>
+          </a:p>
+          <a:p>
+            <a:pPr marL="0" indent="0" algn="r" rtl="1">
+              <a:buFont typeface="Wingdings 3" charset="2"/>
+              <a:buNone/>
+            </a:pPr>
+            <a:endParaRPr lang="en-IL" dirty="0"/>
+          </a:p>
+        </p:txBody>
+      </p:sp>
+    </p:spTree>
+    <p:extLst>
+      <p:ext uri="{BB962C8B-B14F-4D97-AF65-F5344CB8AC3E}">
+        <p14:creationId xmlns:p14="http://schemas.microsoft.com/office/powerpoint/2010/main" val="1324083253"/>
+      </p:ext>
+    </p:extLst>
+  </p:cSld>
+  <p:clrMapOvr>
+    <a:masterClrMapping/>
+  </p:clrMapOvr>
+</p:sld>
+</file>
+
+<file path=ppt/slides/slide5.xml><?xml version="1.0" encoding="utf-8"?>
+<p:sld xmlns:a="http://schemas.openxmlformats.org/drawingml/2006/main" xmlns:r="http://schemas.openxmlformats.org/officeDocument/2006/relationships" xmlns:p="http://schemas.openxmlformats.org/presentationml/2006/main">
+  <p:cSld>
+    <p:spTree>
+      <p:nvGrpSpPr>
+        <p:cNvPr id="1" name=""/>
+        <p:cNvGrpSpPr/>
+        <p:nvPr/>
+      </p:nvGrpSpPr>
+      <p:grpSpPr>
+        <a:xfrm>
+          <a:off x="0" y="0"/>
+          <a:ext cx="0" cy="0"/>
+          <a:chOff x="0" y="0"/>
+          <a:chExt cx="0" cy="0"/>
+        </a:xfrm>
+      </p:grpSpPr>
+      <p:sp>
+        <p:nvSpPr>
+          <p:cNvPr id="4" name="Title 1">
+            <a:extLst>
+              <a:ext uri="{FF2B5EF4-FFF2-40B4-BE49-F238E27FC236}">
+                <a16:creationId xmlns:a16="http://schemas.microsoft.com/office/drawing/2014/main" id="{0D02BD4B-88FA-3362-3B1D-24734AF230CF}"/>
+              </a:ext>
+            </a:extLst>
+          </p:cNvPr>
+          <p:cNvSpPr>
+            <a:spLocks noGrp="1"/>
+          </p:cNvSpPr>
+          <p:nvPr>
+            <p:ph type="title"/>
+          </p:nvPr>
+        </p:nvSpPr>
+        <p:spPr>
+          <a:xfrm>
+            <a:off x="646113" y="452438"/>
+            <a:ext cx="9404350" cy="1400175"/>
+          </a:xfrm>
+        </p:spPr>
+        <p:txBody>
+          <a:bodyPr/>
+          <a:lstStyle/>
+          <a:p>
+            <a:pPr algn="r" rtl="1"/>
+            <a:r>
+              <a:rPr lang="he-IL" dirty="0"/>
+              <a:t>אתחול</a:t>
+            </a:r>
+          </a:p>
+        </p:txBody>
+      </p:sp>
+      <p:sp>
+        <p:nvSpPr>
+          <p:cNvPr id="5" name="Content Placeholder 2">
+            <a:extLst>
+              <a:ext uri="{FF2B5EF4-FFF2-40B4-BE49-F238E27FC236}">
+                <a16:creationId xmlns:a16="http://schemas.microsoft.com/office/drawing/2014/main" id="{D36BDF43-C1D3-DDCB-AFDE-6A608B8D2A3B}"/>
+              </a:ext>
+            </a:extLst>
+          </p:cNvPr>
+          <p:cNvSpPr txBox="1">
+            <a:spLocks/>
+          </p:cNvSpPr>
+          <p:nvPr/>
+        </p:nvSpPr>
+        <p:spPr>
+          <a:xfrm>
+            <a:off x="1103312" y="1828800"/>
+            <a:ext cx="8946541" cy="4419599"/>
+          </a:xfrm>
+          <a:prstGeom prst="rect">
+            <a:avLst/>
+          </a:prstGeom>
+        </p:spPr>
+        <p:txBody>
+          <a:bodyPr vert="horz" lIns="91440" tIns="45720" rIns="91440" bIns="45720" rtlCol="0">
+            <a:normAutofit/>
+          </a:bodyPr>
+          <a:lstStyle>
+            <a:lvl1pPr marL="342900" indent="-342900" algn="l" defTabSz="457200" rtl="0" eaLnBrk="1" latinLnBrk="0" hangingPunct="1">
+              <a:spcBef>
+                <a:spcPts val="1000"/>
+              </a:spcBef>
+              <a:spcAft>
+                <a:spcPts val="0"/>
+              </a:spcAft>
+              <a:buClr>
+                <a:schemeClr val="bg2">
+                  <a:lumMod val="40000"/>
+                  <a:lumOff val="60000"/>
+                </a:schemeClr>
+              </a:buClr>
+              <a:buSzPct val="80000"/>
+              <a:buFont typeface="Wingdings 3" charset="2"/>
+              <a:buChar char=""/>
+              <a:defRPr sz="2000" b="0" i="0" kern="1200">
+                <a:solidFill>
+                  <a:schemeClr val="tx1"/>
+                </a:solidFill>
+                <a:latin typeface="+mj-lt"/>
+                <a:ea typeface="+mj-ea"/>
+                <a:cs typeface="+mj-cs"/>
+              </a:defRPr>
+            </a:lvl1pPr>
+            <a:lvl2pPr marL="742950" indent="-285750" algn="l" defTabSz="457200" rtl="0" eaLnBrk="1" latinLnBrk="0" hangingPunct="1">
+              <a:spcBef>
+                <a:spcPts val="1000"/>
+              </a:spcBef>
+              <a:spcAft>
+                <a:spcPts val="0"/>
+              </a:spcAft>
+              <a:buClr>
+                <a:schemeClr val="bg2">
+                  <a:lumMod val="40000"/>
+                  <a:lumOff val="60000"/>
+                </a:schemeClr>
+              </a:buClr>
+              <a:buSzPct val="80000"/>
+              <a:buFont typeface="Wingdings 3" charset="2"/>
+              <a:buChar char=""/>
+              <a:defRPr sz="1800" b="0" i="0" kern="1200">
+                <a:solidFill>
+                  <a:schemeClr val="tx1"/>
+                </a:solidFill>
+                <a:latin typeface="+mj-lt"/>
+                <a:ea typeface="+mj-ea"/>
+                <a:cs typeface="+mj-cs"/>
+              </a:defRPr>
+            </a:lvl2pPr>
+            <a:lvl3pPr marL="1143000" indent="-228600" algn="l" defTabSz="457200" rtl="0" eaLnBrk="1" latinLnBrk="0" hangingPunct="1">
+              <a:spcBef>
+                <a:spcPts val="1000"/>
+              </a:spcBef>
+              <a:spcAft>
+                <a:spcPts val="0"/>
+              </a:spcAft>
+              <a:buClr>
+                <a:schemeClr val="bg2">
+                  <a:lumMod val="40000"/>
+                  <a:lumOff val="60000"/>
+                </a:schemeClr>
+              </a:buClr>
+              <a:buSzPct val="80000"/>
+              <a:buFont typeface="Wingdings 3" charset="2"/>
+              <a:buChar char=""/>
+              <a:defRPr sz="1600" b="0" i="0" kern="1200">
+                <a:solidFill>
+                  <a:schemeClr val="tx1"/>
+                </a:solidFill>
+                <a:latin typeface="+mj-lt"/>
+                <a:ea typeface="+mj-ea"/>
+                <a:cs typeface="+mj-cs"/>
+              </a:defRPr>
+            </a:lvl3pPr>
+            <a:lvl4pPr marL="1600200" indent="-228600" algn="l" defTabSz="457200" rtl="0" eaLnBrk="1" latinLnBrk="0" hangingPunct="1">
+              <a:spcBef>
+                <a:spcPts val="1000"/>
+              </a:spcBef>
+              <a:spcAft>
+                <a:spcPts val="0"/>
+              </a:spcAft>
+              <a:buClr>
+                <a:schemeClr val="bg2">
+                  <a:lumMod val="40000"/>
+                  <a:lumOff val="60000"/>
+                </a:schemeClr>
+              </a:buClr>
+              <a:buSzPct val="80000"/>
+              <a:buFont typeface="Wingdings 3" charset="2"/>
+              <a:buChar char=""/>
+              <a:defRPr sz="1400" b="0" i="0" kern="1200">
+                <a:solidFill>
+                  <a:schemeClr val="tx1"/>
+                </a:solidFill>
+                <a:latin typeface="+mj-lt"/>
+                <a:ea typeface="+mj-ea"/>
+                <a:cs typeface="+mj-cs"/>
+              </a:defRPr>
+            </a:lvl4pPr>
+            <a:lvl5pPr marL="2057400" indent="-228600" algn="l" defTabSz="457200" rtl="0" eaLnBrk="1" latinLnBrk="0" hangingPunct="1">
+              <a:spcBef>
+                <a:spcPts val="1000"/>
+              </a:spcBef>
+              <a:spcAft>
+                <a:spcPts val="0"/>
+              </a:spcAft>
+              <a:buClr>
+                <a:schemeClr val="bg2">
+                  <a:lumMod val="40000"/>
+                  <a:lumOff val="60000"/>
+                </a:schemeClr>
+              </a:buClr>
+              <a:buSzPct val="80000"/>
+              <a:buFont typeface="Wingdings 3" charset="2"/>
+              <a:buChar char=""/>
+              <a:defRPr sz="1400" b="0" i="0" kern="1200">
+                <a:solidFill>
+                  <a:schemeClr val="tx1"/>
+                </a:solidFill>
+                <a:latin typeface="+mj-lt"/>
+                <a:ea typeface="+mj-ea"/>
+                <a:cs typeface="+mj-cs"/>
+              </a:defRPr>
+            </a:lvl5pPr>
+            <a:lvl6pPr marL="2506000" indent="-228600" algn="l" defTabSz="457200" rtl="0" eaLnBrk="1" latinLnBrk="0" hangingPunct="1">
+              <a:spcBef>
+                <a:spcPts val="1000"/>
+              </a:spcBef>
+              <a:spcAft>
+                <a:spcPts val="0"/>
+              </a:spcAft>
+              <a:buClr>
+                <a:schemeClr val="bg2">
+                  <a:lumMod val="40000"/>
+                  <a:lumOff val="60000"/>
+                </a:schemeClr>
+              </a:buClr>
+              <a:buSzPct val="80000"/>
+              <a:buFont typeface="Wingdings 3" charset="2"/>
+              <a:buChar char=""/>
+              <a:defRPr sz="1400" b="0" i="0" kern="1200">
+                <a:solidFill>
+                  <a:schemeClr val="tx1"/>
+                </a:solidFill>
+                <a:latin typeface="+mj-lt"/>
+                <a:ea typeface="+mj-ea"/>
+                <a:cs typeface="+mj-cs"/>
+              </a:defRPr>
+            </a:lvl6pPr>
+            <a:lvl7pPr marL="2971800" indent="-228600" algn="l" defTabSz="457200" rtl="0" eaLnBrk="1" latinLnBrk="0" hangingPunct="1">
+              <a:spcBef>
+                <a:spcPts val="1000"/>
+              </a:spcBef>
+              <a:spcAft>
+                <a:spcPts val="0"/>
+              </a:spcAft>
+              <a:buClr>
+                <a:schemeClr val="bg2">
+                  <a:lumMod val="40000"/>
+                  <a:lumOff val="60000"/>
+                </a:schemeClr>
+              </a:buClr>
+              <a:buSzPct val="80000"/>
+              <a:buFont typeface="Wingdings 3" charset="2"/>
+              <a:buChar char=""/>
+              <a:defRPr sz="1400" b="0" i="0" kern="1200">
+                <a:solidFill>
+                  <a:schemeClr val="tx1"/>
+                </a:solidFill>
+                <a:latin typeface="+mj-lt"/>
+                <a:ea typeface="+mj-ea"/>
+                <a:cs typeface="+mj-cs"/>
+              </a:defRPr>
+            </a:lvl7pPr>
+            <a:lvl8pPr marL="3429000" indent="-228600" algn="l" defTabSz="457200" rtl="0" eaLnBrk="1" latinLnBrk="0" hangingPunct="1">
+              <a:spcBef>
+                <a:spcPts val="1000"/>
+              </a:spcBef>
+              <a:spcAft>
+                <a:spcPts val="0"/>
+              </a:spcAft>
+              <a:buClr>
+                <a:schemeClr val="bg2">
+                  <a:lumMod val="40000"/>
+                  <a:lumOff val="60000"/>
+                </a:schemeClr>
+              </a:buClr>
+              <a:buSzPct val="80000"/>
+              <a:buFont typeface="Wingdings 3" charset="2"/>
+              <a:buChar char=""/>
+              <a:defRPr sz="1400" b="0" i="0" kern="1200">
+                <a:solidFill>
+                  <a:schemeClr val="tx1"/>
+                </a:solidFill>
+                <a:latin typeface="+mj-lt"/>
+                <a:ea typeface="+mj-ea"/>
+                <a:cs typeface="+mj-cs"/>
+              </a:defRPr>
+            </a:lvl8pPr>
+            <a:lvl9pPr marL="3886200" indent="-228600" algn="l" defTabSz="457200" rtl="0" eaLnBrk="1" latinLnBrk="0" hangingPunct="1">
+              <a:spcBef>
+                <a:spcPts val="1000"/>
+              </a:spcBef>
+              <a:spcAft>
+                <a:spcPts val="0"/>
+              </a:spcAft>
+              <a:buClr>
+                <a:schemeClr val="bg2">
+                  <a:lumMod val="40000"/>
+                  <a:lumOff val="60000"/>
+                </a:schemeClr>
+              </a:buClr>
+              <a:buSzPct val="80000"/>
+              <a:buFont typeface="Wingdings 3" charset="2"/>
+              <a:buChar char=""/>
+              <a:defRPr sz="1400" b="0" i="0" kern="1200">
+                <a:solidFill>
+                  <a:schemeClr val="tx1"/>
+                </a:solidFill>
+                <a:latin typeface="+mj-lt"/>
+                <a:ea typeface="+mj-ea"/>
+                <a:cs typeface="+mj-cs"/>
+              </a:defRPr>
+            </a:lvl9pPr>
+          </a:lstStyle>
+          <a:p>
+            <a:pPr marL="0" indent="0" algn="r" rtl="1">
+              <a:buFont typeface="Wingdings 3" charset="2"/>
+              <a:buNone/>
+            </a:pPr>
+            <a:r>
+              <a:rPr lang="he-IL" dirty="0"/>
+              <a:t>1. יצירת </a:t>
+            </a:r>
+            <a:r>
+              <a:rPr lang="en-US" dirty="0"/>
+              <a:t>DATABASE</a:t>
+            </a:r>
+            <a:r>
+              <a:rPr lang="he-IL" dirty="0"/>
+              <a:t>: נשתמש ב</a:t>
+            </a:r>
+            <a:r>
+              <a:rPr lang="en-US" b="0" i="0" dirty="0">
+                <a:effectLst/>
+                <a:latin typeface="Google Sans"/>
+              </a:rPr>
+              <a:t> PostgreSQL</a:t>
+            </a:r>
+            <a:r>
+              <a:rPr lang="he-IL" b="0" i="0" dirty="0">
+                <a:effectLst/>
+                <a:latin typeface="Google Sans"/>
+              </a:rPr>
+              <a:t>(</a:t>
+            </a:r>
+            <a:r>
+              <a:rPr lang="he-IL" b="0" i="0" dirty="0">
+                <a:effectLst/>
+                <a:latin typeface="arial" panose="020B0604020202020204" pitchFamily="34" charset="0"/>
+              </a:rPr>
+              <a:t>מערכת לניהול בסיס נתונים)</a:t>
+            </a:r>
+            <a:r>
+              <a:rPr lang="he-IL" b="0" i="0" dirty="0">
+                <a:effectLst/>
+                <a:latin typeface="Google Sans"/>
+              </a:rPr>
+              <a:t> ונאתחל דאטא בייס חדש עבור המערכת.</a:t>
+            </a:r>
+          </a:p>
+          <a:p>
+            <a:pPr marL="0" indent="0" algn="r" rtl="1">
+              <a:buFont typeface="Wingdings 3" charset="2"/>
+              <a:buNone/>
+            </a:pPr>
+            <a:endParaRPr lang="he-IL" dirty="0">
+              <a:latin typeface="Google Sans"/>
+            </a:endParaRPr>
+          </a:p>
+          <a:p>
+            <a:pPr marL="0" indent="0" algn="r" rtl="1">
+              <a:buFont typeface="Wingdings 3" charset="2"/>
+              <a:buNone/>
+            </a:pPr>
+            <a:r>
+              <a:rPr lang="he-IL" dirty="0">
+                <a:latin typeface="Google Sans"/>
+              </a:rPr>
+              <a:t>2. הרשאות: נעניק הרשאות "</a:t>
+            </a:r>
+            <a:r>
+              <a:rPr lang="en-US" dirty="0">
+                <a:latin typeface="Google Sans"/>
+              </a:rPr>
+              <a:t>all privileges</a:t>
+            </a:r>
+            <a:r>
+              <a:rPr lang="he-IL" dirty="0">
+                <a:latin typeface="Google Sans"/>
+              </a:rPr>
+              <a:t>" עבור הפרויקט שלנו.</a:t>
+            </a:r>
+            <a:endParaRPr lang="he-IL" dirty="0"/>
+          </a:p>
+          <a:p>
+            <a:pPr marL="0" indent="0" algn="r" rtl="1">
+              <a:buFont typeface="Wingdings 3" charset="2"/>
+              <a:buNone/>
+            </a:pPr>
+            <a:endParaRPr lang="en-IL" dirty="0"/>
+          </a:p>
+        </p:txBody>
+      </p:sp>
+    </p:spTree>
+    <p:extLst>
+      <p:ext uri="{BB962C8B-B14F-4D97-AF65-F5344CB8AC3E}">
+        <p14:creationId xmlns:p14="http://schemas.microsoft.com/office/powerpoint/2010/main" val="1415621277"/>
+      </p:ext>
+    </p:extLst>
+  </p:cSld>
+  <p:clrMapOvr>
+    <a:masterClrMapping/>
+  </p:clrMapOvr>
+</p:sld>
+</file>
+
+<file path=ppt/slides/slide6.xml><?xml version="1.0" encoding="utf-8"?>
+<p:sld xmlns:a="http://schemas.openxmlformats.org/drawingml/2006/main" xmlns:r="http://schemas.openxmlformats.org/officeDocument/2006/relationships" xmlns:p="http://schemas.openxmlformats.org/presentationml/2006/main">
+  <p:cSld>
+    <p:spTree>
+      <p:nvGrpSpPr>
+        <p:cNvPr id="1" name=""/>
+        <p:cNvGrpSpPr/>
+        <p:nvPr/>
+      </p:nvGrpSpPr>
+      <p:grpSpPr>
+        <a:xfrm>
+          <a:off x="0" y="0"/>
+          <a:ext cx="0" cy="0"/>
+          <a:chOff x="0" y="0"/>
+          <a:chExt cx="0" cy="0"/>
+        </a:xfrm>
+      </p:grpSpPr>
+      <p:sp>
+        <p:nvSpPr>
+          <p:cNvPr id="2" name="Title 1">
+            <a:extLst>
+              <a:ext uri="{FF2B5EF4-FFF2-40B4-BE49-F238E27FC236}">
+                <a16:creationId xmlns:a16="http://schemas.microsoft.com/office/drawing/2014/main" id="{1A6327BB-4760-FFC6-D0BC-7F8B94D41642}"/>
+              </a:ext>
+            </a:extLst>
+          </p:cNvPr>
+          <p:cNvSpPr>
+            <a:spLocks noGrp="1"/>
+          </p:cNvSpPr>
+          <p:nvPr>
+            <p:ph type="title"/>
+          </p:nvPr>
+        </p:nvSpPr>
+        <p:spPr>
+          <a:xfrm>
+            <a:off x="646111" y="452718"/>
+            <a:ext cx="9404723" cy="905027"/>
+          </a:xfrm>
+        </p:spPr>
+        <p:txBody>
+          <a:bodyPr/>
+          <a:lstStyle/>
+          <a:p>
+            <a:pPr algn="r" rtl="1"/>
+            <a:r>
+              <a:rPr lang="he-IL" dirty="0"/>
+              <a:t>אתחול</a:t>
+            </a:r>
+          </a:p>
+        </p:txBody>
+      </p:sp>
+      <p:sp>
+        <p:nvSpPr>
+          <p:cNvPr id="3" name="Content Placeholder 2">
+            <a:extLst>
+              <a:ext uri="{FF2B5EF4-FFF2-40B4-BE49-F238E27FC236}">
+                <a16:creationId xmlns:a16="http://schemas.microsoft.com/office/drawing/2014/main" id="{DCCD27C1-CFB0-B5A8-EA86-ED5DC801BA1C}"/>
+              </a:ext>
+            </a:extLst>
+          </p:cNvPr>
+          <p:cNvSpPr>
+            <a:spLocks noGrp="1"/>
+          </p:cNvSpPr>
+          <p:nvPr>
+            <p:ph idx="1"/>
+          </p:nvPr>
+        </p:nvSpPr>
+        <p:spPr>
+          <a:xfrm>
+            <a:off x="1103312" y="1828800"/>
+            <a:ext cx="8946541" cy="4419599"/>
+          </a:xfrm>
+        </p:spPr>
+        <p:txBody>
+          <a:bodyPr/>
+          <a:lstStyle/>
+          <a:p>
+            <a:pPr marL="0" indent="0" algn="r" rtl="1">
+              <a:buNone/>
+            </a:pPr>
+            <a:r>
+              <a:rPr lang="he-IL" dirty="0"/>
+              <a:t>3. </a:t>
+            </a:r>
+            <a:r>
+              <a:rPr lang="en-US" dirty="0"/>
+              <a:t>Properties</a:t>
+            </a:r>
+            <a:r>
+              <a:rPr lang="he-IL" dirty="0"/>
+              <a:t>:</a:t>
+            </a:r>
+            <a:endParaRPr lang="en-IL" dirty="0"/>
+          </a:p>
+        </p:txBody>
+      </p:sp>
+      <p:pic>
+        <p:nvPicPr>
+          <p:cNvPr id="7" name="Picture 6">
+            <a:extLst>
+              <a:ext uri="{FF2B5EF4-FFF2-40B4-BE49-F238E27FC236}">
+                <a16:creationId xmlns:a16="http://schemas.microsoft.com/office/drawing/2014/main" id="{08761C0F-A6ED-F63C-4FAA-647D2A639E35}"/>
+              </a:ext>
+            </a:extLst>
+          </p:cNvPr>
+          <p:cNvPicPr>
+            <a:picLocks noChangeAspect="1"/>
+          </p:cNvPicPr>
+          <p:nvPr/>
+        </p:nvPicPr>
+        <p:blipFill>
+          <a:blip r:embed="rId2"/>
+          <a:stretch>
+            <a:fillRect/>
+          </a:stretch>
+        </p:blipFill>
+        <p:spPr>
+          <a:xfrm>
+            <a:off x="583766" y="2819047"/>
+            <a:ext cx="10796146" cy="2895952"/>
+          </a:xfrm>
+          <a:prstGeom prst="rect">
+            <a:avLst/>
+          </a:prstGeom>
+        </p:spPr>
+      </p:pic>
+      <p:sp>
+        <p:nvSpPr>
+          <p:cNvPr id="11" name="Arrow: Down 10">
+            <a:extLst>
+              <a:ext uri="{FF2B5EF4-FFF2-40B4-BE49-F238E27FC236}">
+                <a16:creationId xmlns:a16="http://schemas.microsoft.com/office/drawing/2014/main" id="{DBFAFBB4-3982-7311-84F1-20989723A048}"/>
+              </a:ext>
+            </a:extLst>
+          </p:cNvPr>
+          <p:cNvSpPr/>
+          <p:nvPr/>
+        </p:nvSpPr>
+        <p:spPr>
+          <a:xfrm>
+            <a:off x="7051964" y="2611228"/>
+            <a:ext cx="304800" cy="887045"/>
+          </a:xfrm>
+          <a:prstGeom prst="downArrow">
+            <a:avLst/>
+          </a:prstGeom>
+          <a:solidFill>
+            <a:schemeClr val="tx1"/>
+          </a:solidFill>
+        </p:spPr>
+        <p:style>
+          <a:lnRef idx="2">
+            <a:schemeClr val="accent1">
+              <a:shade val="50000"/>
+            </a:schemeClr>
+          </a:lnRef>
+          <a:fillRef idx="1">
+            <a:schemeClr val="accent1"/>
+          </a:fillRef>
+          <a:effectRef idx="0">
+            <a:schemeClr val="accent1"/>
+          </a:effectRef>
+          <a:fontRef idx="minor">
+            <a:schemeClr val="lt1"/>
+          </a:fontRef>
+        </p:style>
+        <p:txBody>
+          <a:bodyPr rtlCol="0" anchor="ctr"/>
+          <a:lstStyle/>
+          <a:p>
+            <a:pPr algn="ctr"/>
+            <a:endParaRPr lang="en-IL"/>
+          </a:p>
+        </p:txBody>
+      </p:sp>
+      <p:sp>
+        <p:nvSpPr>
+          <p:cNvPr id="12" name="Rectangle 11">
+            <a:extLst>
+              <a:ext uri="{FF2B5EF4-FFF2-40B4-BE49-F238E27FC236}">
+                <a16:creationId xmlns:a16="http://schemas.microsoft.com/office/drawing/2014/main" id="{F93EAC21-D553-A0BF-663E-E8C939419940}"/>
+              </a:ext>
+            </a:extLst>
+          </p:cNvPr>
+          <p:cNvSpPr/>
+          <p:nvPr/>
+        </p:nvSpPr>
+        <p:spPr>
+          <a:xfrm>
+            <a:off x="6328064" y="2077828"/>
+            <a:ext cx="1752600" cy="443345"/>
+          </a:xfrm>
+          <a:prstGeom prst="rect">
+            <a:avLst/>
+          </a:prstGeom>
+          <a:solidFill>
+            <a:schemeClr val="tx1"/>
+          </a:solidFill>
+        </p:spPr>
+        <p:style>
+          <a:lnRef idx="2">
+            <a:schemeClr val="accent1">
+              <a:shade val="50000"/>
+            </a:schemeClr>
+          </a:lnRef>
+          <a:fillRef idx="1">
+            <a:schemeClr val="accent1"/>
+          </a:fillRef>
+          <a:effectRef idx="0">
+            <a:schemeClr val="accent1"/>
+          </a:effectRef>
+          <a:fontRef idx="minor">
+            <a:schemeClr val="lt1"/>
+          </a:fontRef>
+        </p:style>
+        <p:txBody>
+          <a:bodyPr rtlCol="0" anchor="ctr"/>
+          <a:lstStyle/>
+          <a:p>
+            <a:pPr algn="ctr"/>
+            <a:r>
+              <a:rPr lang="he-IL" dirty="0">
+                <a:solidFill>
+                  <a:schemeClr val="bg1"/>
+                </a:solidFill>
+              </a:rPr>
+              <a:t>לינק לדאטא בייס</a:t>
+            </a:r>
+            <a:endParaRPr lang="en-IL" dirty="0">
+              <a:solidFill>
+                <a:schemeClr val="bg1"/>
+              </a:solidFill>
+            </a:endParaRPr>
+          </a:p>
+        </p:txBody>
+      </p:sp>
+      <p:sp>
+        <p:nvSpPr>
+          <p:cNvPr id="13" name="Arrow: Down 12">
+            <a:extLst>
+              <a:ext uri="{FF2B5EF4-FFF2-40B4-BE49-F238E27FC236}">
+                <a16:creationId xmlns:a16="http://schemas.microsoft.com/office/drawing/2014/main" id="{37CEEDAA-D9C0-48F6-76BE-747A1217AEDD}"/>
+              </a:ext>
+            </a:extLst>
+          </p:cNvPr>
+          <p:cNvSpPr/>
+          <p:nvPr/>
+        </p:nvSpPr>
+        <p:spPr>
+          <a:xfrm rot="800013">
+            <a:off x="8790722" y="3566837"/>
+            <a:ext cx="304800" cy="887045"/>
+          </a:xfrm>
+          <a:prstGeom prst="downArrow">
+            <a:avLst/>
+          </a:prstGeom>
+          <a:solidFill>
+            <a:schemeClr val="tx1"/>
+          </a:solidFill>
+        </p:spPr>
+        <p:style>
+          <a:lnRef idx="2">
+            <a:schemeClr val="accent1">
+              <a:shade val="50000"/>
+            </a:schemeClr>
+          </a:lnRef>
+          <a:fillRef idx="1">
+            <a:schemeClr val="accent1"/>
+          </a:fillRef>
+          <a:effectRef idx="0">
+            <a:schemeClr val="accent1"/>
+          </a:effectRef>
+          <a:fontRef idx="minor">
+            <a:schemeClr val="lt1"/>
+          </a:fontRef>
+        </p:style>
+        <p:txBody>
+          <a:bodyPr rtlCol="0" anchor="ctr"/>
+          <a:lstStyle/>
+          <a:p>
+            <a:pPr algn="ctr"/>
+            <a:endParaRPr lang="en-IL"/>
+          </a:p>
+        </p:txBody>
+      </p:sp>
+      <p:sp>
+        <p:nvSpPr>
+          <p:cNvPr id="14" name="Rectangle 13">
+            <a:extLst>
+              <a:ext uri="{FF2B5EF4-FFF2-40B4-BE49-F238E27FC236}">
+                <a16:creationId xmlns:a16="http://schemas.microsoft.com/office/drawing/2014/main" id="{2AB5F817-F893-5E1E-C99F-23218931E582}"/>
+              </a:ext>
+            </a:extLst>
+          </p:cNvPr>
+          <p:cNvSpPr/>
+          <p:nvPr/>
+        </p:nvSpPr>
+        <p:spPr>
+          <a:xfrm>
+            <a:off x="8475531" y="3092665"/>
+            <a:ext cx="1752600" cy="443345"/>
+          </a:xfrm>
+          <a:prstGeom prst="rect">
+            <a:avLst/>
+          </a:prstGeom>
+          <a:solidFill>
+            <a:schemeClr val="tx1"/>
+          </a:solidFill>
+        </p:spPr>
+        <p:style>
+          <a:lnRef idx="2">
+            <a:schemeClr val="accent1">
+              <a:shade val="50000"/>
+            </a:schemeClr>
+          </a:lnRef>
+          <a:fillRef idx="1">
+            <a:schemeClr val="accent1"/>
+          </a:fillRef>
+          <a:effectRef idx="0">
+            <a:schemeClr val="accent1"/>
+          </a:effectRef>
+          <a:fontRef idx="minor">
+            <a:schemeClr val="lt1"/>
+          </a:fontRef>
+        </p:style>
+        <p:txBody>
+          <a:bodyPr rtlCol="0" anchor="ctr"/>
+          <a:lstStyle/>
+          <a:p>
+            <a:pPr algn="ctr"/>
+            <a:r>
+              <a:rPr lang="he-IL" dirty="0">
+                <a:solidFill>
+                  <a:schemeClr val="bg1"/>
+                </a:solidFill>
+              </a:rPr>
+              <a:t>סוג דאטא בייס</a:t>
+            </a:r>
+          </a:p>
+        </p:txBody>
+      </p:sp>
+    </p:spTree>
+    <p:extLst>
+      <p:ext uri="{BB962C8B-B14F-4D97-AF65-F5344CB8AC3E}">
+        <p14:creationId xmlns:p14="http://schemas.microsoft.com/office/powerpoint/2010/main" val="39050849"/>
+      </p:ext>
+    </p:extLst>
+  </p:cSld>
+  <p:clrMapOvr>
+    <a:masterClrMapping/>
+  </p:clrMapOvr>
+</p:sld>
+</file>
+
+<file path=ppt/slides/slide7.xml><?xml version="1.0" encoding="utf-8"?>
+<p:sld xmlns:a="http://schemas.openxmlformats.org/drawingml/2006/main" xmlns:r="http://schemas.openxmlformats.org/officeDocument/2006/relationships" xmlns:p="http://schemas.openxmlformats.org/presentationml/2006/main">
+  <p:cSld>
+    <p:spTree>
+      <p:nvGrpSpPr>
+        <p:cNvPr id="1" name=""/>
+        <p:cNvGrpSpPr/>
+        <p:nvPr/>
+      </p:nvGrpSpPr>
+      <p:grpSpPr>
+        <a:xfrm>
+          <a:off x="0" y="0"/>
+          <a:ext cx="0" cy="0"/>
+          <a:chOff x="0" y="0"/>
+          <a:chExt cx="0" cy="0"/>
+        </a:xfrm>
+      </p:grpSpPr>
+      <p:sp>
+        <p:nvSpPr>
+          <p:cNvPr id="4" name="Title 1">
+            <a:extLst>
+              <a:ext uri="{FF2B5EF4-FFF2-40B4-BE49-F238E27FC236}">
+                <a16:creationId xmlns:a16="http://schemas.microsoft.com/office/drawing/2014/main" id="{0D02BD4B-88FA-3362-3B1D-24734AF230CF}"/>
+              </a:ext>
+            </a:extLst>
+          </p:cNvPr>
+          <p:cNvSpPr>
+            <a:spLocks noGrp="1"/>
+          </p:cNvSpPr>
+          <p:nvPr>
+            <p:ph type="title"/>
+          </p:nvPr>
+        </p:nvSpPr>
+        <p:spPr>
+          <a:xfrm>
+            <a:off x="646113" y="452438"/>
+            <a:ext cx="9404350" cy="1400175"/>
+          </a:xfrm>
+        </p:spPr>
+        <p:txBody>
+          <a:bodyPr/>
+          <a:lstStyle/>
+          <a:p>
+            <a:pPr algn="r" rtl="1"/>
+            <a:r>
+              <a:rPr lang="he-IL" dirty="0"/>
+              <a:t>אתחול</a:t>
+            </a:r>
+          </a:p>
+        </p:txBody>
+      </p:sp>
+      <p:sp>
+        <p:nvSpPr>
+          <p:cNvPr id="5" name="Content Placeholder 2">
+            <a:extLst>
+              <a:ext uri="{FF2B5EF4-FFF2-40B4-BE49-F238E27FC236}">
+                <a16:creationId xmlns:a16="http://schemas.microsoft.com/office/drawing/2014/main" id="{D36BDF43-C1D3-DDCB-AFDE-6A608B8D2A3B}"/>
+              </a:ext>
+            </a:extLst>
+          </p:cNvPr>
+          <p:cNvSpPr txBox="1">
+            <a:spLocks/>
+          </p:cNvSpPr>
+          <p:nvPr/>
+        </p:nvSpPr>
+        <p:spPr>
+          <a:xfrm>
+            <a:off x="1103312" y="1828800"/>
+            <a:ext cx="8946541" cy="4419599"/>
+          </a:xfrm>
+          <a:prstGeom prst="rect">
+            <a:avLst/>
+          </a:prstGeom>
+        </p:spPr>
+        <p:txBody>
+          <a:bodyPr vert="horz" lIns="91440" tIns="45720" rIns="91440" bIns="45720" rtlCol="0">
+            <a:normAutofit/>
+          </a:bodyPr>
+          <a:lstStyle>
+            <a:lvl1pPr marL="342900" indent="-342900" algn="l" defTabSz="457200" rtl="0" eaLnBrk="1" latinLnBrk="0" hangingPunct="1">
+              <a:spcBef>
+                <a:spcPts val="1000"/>
+              </a:spcBef>
+              <a:spcAft>
+                <a:spcPts val="0"/>
+              </a:spcAft>
+              <a:buClr>
+                <a:schemeClr val="bg2">
+                  <a:lumMod val="40000"/>
+                  <a:lumOff val="60000"/>
+                </a:schemeClr>
+              </a:buClr>
+              <a:buSzPct val="80000"/>
+              <a:buFont typeface="Wingdings 3" charset="2"/>
+              <a:buChar char=""/>
+              <a:defRPr sz="2000" b="0" i="0" kern="1200">
+                <a:solidFill>
+                  <a:schemeClr val="tx1"/>
+                </a:solidFill>
+                <a:latin typeface="+mj-lt"/>
+                <a:ea typeface="+mj-ea"/>
+                <a:cs typeface="+mj-cs"/>
+              </a:defRPr>
+            </a:lvl1pPr>
+            <a:lvl2pPr marL="742950" indent="-285750" algn="l" defTabSz="457200" rtl="0" eaLnBrk="1" latinLnBrk="0" hangingPunct="1">
+              <a:spcBef>
+                <a:spcPts val="1000"/>
+              </a:spcBef>
+              <a:spcAft>
+                <a:spcPts val="0"/>
+              </a:spcAft>
+              <a:buClr>
+                <a:schemeClr val="bg2">
+                  <a:lumMod val="40000"/>
+                  <a:lumOff val="60000"/>
+                </a:schemeClr>
+              </a:buClr>
+              <a:buSzPct val="80000"/>
+              <a:buFont typeface="Wingdings 3" charset="2"/>
+              <a:buChar char=""/>
+              <a:defRPr sz="1800" b="0" i="0" kern="1200">
+                <a:solidFill>
+                  <a:schemeClr val="tx1"/>
+                </a:solidFill>
+                <a:latin typeface="+mj-lt"/>
+                <a:ea typeface="+mj-ea"/>
+                <a:cs typeface="+mj-cs"/>
+              </a:defRPr>
+            </a:lvl2pPr>
+            <a:lvl3pPr marL="1143000" indent="-228600" algn="l" defTabSz="457200" rtl="0" eaLnBrk="1" latinLnBrk="0" hangingPunct="1">
+              <a:spcBef>
+                <a:spcPts val="1000"/>
+              </a:spcBef>
+              <a:spcAft>
+                <a:spcPts val="0"/>
+              </a:spcAft>
+              <a:buClr>
+                <a:schemeClr val="bg2">
+                  <a:lumMod val="40000"/>
+                  <a:lumOff val="60000"/>
+                </a:schemeClr>
+              </a:buClr>
+              <a:buSzPct val="80000"/>
+              <a:buFont typeface="Wingdings 3" charset="2"/>
+              <a:buChar char=""/>
+              <a:defRPr sz="1600" b="0" i="0" kern="1200">
+                <a:solidFill>
+                  <a:schemeClr val="tx1"/>
+                </a:solidFill>
+                <a:latin typeface="+mj-lt"/>
+                <a:ea typeface="+mj-ea"/>
+                <a:cs typeface="+mj-cs"/>
+              </a:defRPr>
+            </a:lvl3pPr>
+            <a:lvl4pPr marL="1600200" indent="-228600" algn="l" defTabSz="457200" rtl="0" eaLnBrk="1" latinLnBrk="0" hangingPunct="1">
+              <a:spcBef>
+                <a:spcPts val="1000"/>
+              </a:spcBef>
+              <a:spcAft>
+                <a:spcPts val="0"/>
+              </a:spcAft>
+              <a:buClr>
+                <a:schemeClr val="bg2">
+                  <a:lumMod val="40000"/>
+                  <a:lumOff val="60000"/>
+                </a:schemeClr>
+              </a:buClr>
+              <a:buSzPct val="80000"/>
+              <a:buFont typeface="Wingdings 3" charset="2"/>
+              <a:buChar char=""/>
+              <a:defRPr sz="1400" b="0" i="0" kern="1200">
+                <a:solidFill>
+                  <a:schemeClr val="tx1"/>
+                </a:solidFill>
+                <a:latin typeface="+mj-lt"/>
+                <a:ea typeface="+mj-ea"/>
+                <a:cs typeface="+mj-cs"/>
+              </a:defRPr>
+            </a:lvl4pPr>
+            <a:lvl5pPr marL="2057400" indent="-228600" algn="l" defTabSz="457200" rtl="0" eaLnBrk="1" latinLnBrk="0" hangingPunct="1">
+              <a:spcBef>
+                <a:spcPts val="1000"/>
+              </a:spcBef>
+              <a:spcAft>
+                <a:spcPts val="0"/>
+              </a:spcAft>
+              <a:buClr>
+                <a:schemeClr val="bg2">
+                  <a:lumMod val="40000"/>
+                  <a:lumOff val="60000"/>
+                </a:schemeClr>
+              </a:buClr>
+              <a:buSzPct val="80000"/>
+              <a:buFont typeface="Wingdings 3" charset="2"/>
+              <a:buChar char=""/>
+              <a:defRPr sz="1400" b="0" i="0" kern="1200">
+                <a:solidFill>
+                  <a:schemeClr val="tx1"/>
+                </a:solidFill>
+                <a:latin typeface="+mj-lt"/>
+                <a:ea typeface="+mj-ea"/>
+                <a:cs typeface="+mj-cs"/>
+              </a:defRPr>
+            </a:lvl5pPr>
+            <a:lvl6pPr marL="2506000" indent="-228600" algn="l" defTabSz="457200" rtl="0" eaLnBrk="1" latinLnBrk="0" hangingPunct="1">
+              <a:spcBef>
+                <a:spcPts val="1000"/>
+              </a:spcBef>
+              <a:spcAft>
+                <a:spcPts val="0"/>
+              </a:spcAft>
+              <a:buClr>
+                <a:schemeClr val="bg2">
+                  <a:lumMod val="40000"/>
+                  <a:lumOff val="60000"/>
+                </a:schemeClr>
+              </a:buClr>
+              <a:buSzPct val="80000"/>
+              <a:buFont typeface="Wingdings 3" charset="2"/>
+              <a:buChar char=""/>
+              <a:defRPr sz="1400" b="0" i="0" kern="1200">
+                <a:solidFill>
+                  <a:schemeClr val="tx1"/>
+                </a:solidFill>
+                <a:latin typeface="+mj-lt"/>
+                <a:ea typeface="+mj-ea"/>
+                <a:cs typeface="+mj-cs"/>
+              </a:defRPr>
+            </a:lvl6pPr>
+            <a:lvl7pPr marL="2971800" indent="-228600" algn="l" defTabSz="457200" rtl="0" eaLnBrk="1" latinLnBrk="0" hangingPunct="1">
+              <a:spcBef>
+                <a:spcPts val="1000"/>
+              </a:spcBef>
+              <a:spcAft>
+                <a:spcPts val="0"/>
+              </a:spcAft>
+              <a:buClr>
+                <a:schemeClr val="bg2">
+                  <a:lumMod val="40000"/>
+                  <a:lumOff val="60000"/>
+                </a:schemeClr>
+              </a:buClr>
+              <a:buSzPct val="80000"/>
+              <a:buFont typeface="Wingdings 3" charset="2"/>
+              <a:buChar char=""/>
+              <a:defRPr sz="1400" b="0" i="0" kern="1200">
+                <a:solidFill>
+                  <a:schemeClr val="tx1"/>
+                </a:solidFill>
+                <a:latin typeface="+mj-lt"/>
+                <a:ea typeface="+mj-ea"/>
+                <a:cs typeface="+mj-cs"/>
+              </a:defRPr>
+            </a:lvl7pPr>
+            <a:lvl8pPr marL="3429000" indent="-228600" algn="l" defTabSz="457200" rtl="0" eaLnBrk="1" latinLnBrk="0" hangingPunct="1">
+              <a:spcBef>
+                <a:spcPts val="1000"/>
+              </a:spcBef>
+              <a:spcAft>
+                <a:spcPts val="0"/>
+              </a:spcAft>
+              <a:buClr>
+                <a:schemeClr val="bg2">
+                  <a:lumMod val="40000"/>
+                  <a:lumOff val="60000"/>
+                </a:schemeClr>
+              </a:buClr>
+              <a:buSzPct val="80000"/>
+              <a:buFont typeface="Wingdings 3" charset="2"/>
+              <a:buChar char=""/>
+              <a:defRPr sz="1400" b="0" i="0" kern="1200">
+                <a:solidFill>
+                  <a:schemeClr val="tx1"/>
+                </a:solidFill>
+                <a:latin typeface="+mj-lt"/>
+                <a:ea typeface="+mj-ea"/>
+                <a:cs typeface="+mj-cs"/>
+              </a:defRPr>
+            </a:lvl8pPr>
+            <a:lvl9pPr marL="3886200" indent="-228600" algn="l" defTabSz="457200" rtl="0" eaLnBrk="1" latinLnBrk="0" hangingPunct="1">
+              <a:spcBef>
+                <a:spcPts val="1000"/>
+              </a:spcBef>
+              <a:spcAft>
+                <a:spcPts val="0"/>
+              </a:spcAft>
+              <a:buClr>
+                <a:schemeClr val="bg2">
+                  <a:lumMod val="40000"/>
+                  <a:lumOff val="60000"/>
+                </a:schemeClr>
+              </a:buClr>
+              <a:buSzPct val="80000"/>
+              <a:buFont typeface="Wingdings 3" charset="2"/>
+              <a:buChar char=""/>
+              <a:defRPr sz="1400" b="0" i="0" kern="1200">
+                <a:solidFill>
+                  <a:schemeClr val="tx1"/>
+                </a:solidFill>
+                <a:latin typeface="+mj-lt"/>
+                <a:ea typeface="+mj-ea"/>
+                <a:cs typeface="+mj-cs"/>
+              </a:defRPr>
+            </a:lvl9pPr>
+          </a:lstStyle>
+          <a:p>
+            <a:pPr marL="0" indent="0" algn="r" rtl="1">
+              <a:buFont typeface="Wingdings 3" charset="2"/>
+              <a:buNone/>
+            </a:pPr>
+            <a:r>
+              <a:rPr lang="he-IL" dirty="0"/>
               <a:t>4. </a:t>
             </a:r>
             <a:r>
@@ -7466,7 +9222,15 @@
             </a:r>
             <a:r>
               <a:rPr lang="he-IL" dirty="0"/>
-              <a:t>:נוריד את ההערות ונאתחל את הפרויקט.</a:t>
+              <a:t>:</a:t>
+            </a:r>
+            <a:r>
+              <a:rPr lang="en-US" dirty="0"/>
+              <a:t> </a:t>
+            </a:r>
+            <a:r>
+              <a:rPr lang="he-IL" dirty="0"/>
+              <a:t>נוריד את ההערות ונאתחל את הפרויקט.</a:t>
             </a:r>
           </a:p>
           <a:p>
@@ -7521,7 +9285,92 @@
 </p:sld>
 </file>
 
-<file path=ppt/slides/slide6.xml><?xml version="1.0" encoding="utf-8"?>
+<file path=ppt/slides/slide8.xml><?xml version="1.0" encoding="utf-8"?>
+<p:sld xmlns:a="http://schemas.openxmlformats.org/drawingml/2006/main" xmlns:r="http://schemas.openxmlformats.org/officeDocument/2006/relationships" xmlns:p="http://schemas.openxmlformats.org/presentationml/2006/main">
+  <p:cSld>
+    <p:spTree>
+      <p:nvGrpSpPr>
+        <p:cNvPr id="1" name=""/>
+        <p:cNvGrpSpPr/>
+        <p:nvPr/>
+      </p:nvGrpSpPr>
+      <p:grpSpPr>
+        <a:xfrm>
+          <a:off x="0" y="0"/>
+          <a:ext cx="0" cy="0"/>
+          <a:chOff x="0" y="0"/>
+          <a:chExt cx="0" cy="0"/>
+        </a:xfrm>
+      </p:grpSpPr>
+      <p:sp>
+        <p:nvSpPr>
+          <p:cNvPr id="2" name="Title 1">
+            <a:extLst>
+              <a:ext uri="{FF2B5EF4-FFF2-40B4-BE49-F238E27FC236}">
+                <a16:creationId xmlns:a16="http://schemas.microsoft.com/office/drawing/2014/main" id="{D03E521C-E51E-8609-8E20-0D9B0A31115D}"/>
+              </a:ext>
+            </a:extLst>
+          </p:cNvPr>
+          <p:cNvSpPr>
+            <a:spLocks noGrp="1"/>
+          </p:cNvSpPr>
+          <p:nvPr>
+            <p:ph type="title"/>
+          </p:nvPr>
+        </p:nvSpPr>
+        <p:spPr/>
+        <p:txBody>
+          <a:bodyPr/>
+          <a:lstStyle/>
+          <a:p>
+            <a:pPr algn="r" rtl="1"/>
+            <a:r>
+              <a:rPr lang="he-IL" dirty="0"/>
+              <a:t>יצירת טבלה חדשה</a:t>
+            </a:r>
+            <a:endParaRPr lang="en-IL" dirty="0"/>
+          </a:p>
+        </p:txBody>
+      </p:sp>
+      <p:sp>
+        <p:nvSpPr>
+          <p:cNvPr id="4" name="Content Placeholder 3">
+            <a:extLst>
+              <a:ext uri="{FF2B5EF4-FFF2-40B4-BE49-F238E27FC236}">
+                <a16:creationId xmlns:a16="http://schemas.microsoft.com/office/drawing/2014/main" id="{A36FC902-8100-2A04-D97F-EFD311010729}"/>
+              </a:ext>
+            </a:extLst>
+          </p:cNvPr>
+          <p:cNvSpPr>
+            <a:spLocks noGrp="1"/>
+          </p:cNvSpPr>
+          <p:nvPr>
+            <p:ph idx="1"/>
+          </p:nvPr>
+        </p:nvSpPr>
+        <p:spPr/>
+        <p:txBody>
+          <a:bodyPr/>
+          <a:lstStyle/>
+          <a:p>
+            <a:endParaRPr lang="en-IL"/>
+          </a:p>
+        </p:txBody>
+      </p:sp>
+    </p:spTree>
+    <p:extLst>
+      <p:ext uri="{BB962C8B-B14F-4D97-AF65-F5344CB8AC3E}">
+        <p14:creationId xmlns:p14="http://schemas.microsoft.com/office/powerpoint/2010/main" val="806232653"/>
+      </p:ext>
+    </p:extLst>
+  </p:cSld>
+  <p:clrMapOvr>
+    <a:masterClrMapping/>
+  </p:clrMapOvr>
+</p:sld>
+</file>
+
+<file path=ppt/slides/slide9.xml><?xml version="1.0" encoding="utf-8"?>
 <p:sld xmlns:a="http://schemas.openxmlformats.org/drawingml/2006/main" xmlns:r="http://schemas.openxmlformats.org/officeDocument/2006/relationships" xmlns:p="http://schemas.openxmlformats.org/presentationml/2006/main">
   <p:cSld>
     <p:spTree>
@@ -7601,420 +9450,6 @@
     <p:extLst>
       <p:ext uri="{BB962C8B-B14F-4D97-AF65-F5344CB8AC3E}">
         <p14:creationId xmlns:p14="http://schemas.microsoft.com/office/powerpoint/2010/main" val="738743161"/>
-      </p:ext>
-    </p:extLst>
-  </p:cSld>
-  <p:clrMapOvr>
-    <a:masterClrMapping/>
-  </p:clrMapOvr>
-</p:sld>
-</file>
-
-<file path=ppt/slides/slide7.xml><?xml version="1.0" encoding="utf-8"?>
-<p:sld xmlns:a="http://schemas.openxmlformats.org/drawingml/2006/main" xmlns:r="http://schemas.openxmlformats.org/officeDocument/2006/relationships" xmlns:p="http://schemas.openxmlformats.org/presentationml/2006/main">
-  <p:cSld>
-    <p:spTree>
-      <p:nvGrpSpPr>
-        <p:cNvPr id="1" name=""/>
-        <p:cNvGrpSpPr/>
-        <p:nvPr/>
-      </p:nvGrpSpPr>
-      <p:grpSpPr>
-        <a:xfrm>
-          <a:off x="0" y="0"/>
-          <a:ext cx="0" cy="0"/>
-          <a:chOff x="0" y="0"/>
-          <a:chExt cx="0" cy="0"/>
-        </a:xfrm>
-      </p:grpSpPr>
-      <p:sp>
-        <p:nvSpPr>
-          <p:cNvPr id="2" name="Title 1">
-            <a:extLst>
-              <a:ext uri="{FF2B5EF4-FFF2-40B4-BE49-F238E27FC236}">
-                <a16:creationId xmlns:a16="http://schemas.microsoft.com/office/drawing/2014/main" id="{9F02F570-DAAE-3B12-E48D-6747E411C083}"/>
-              </a:ext>
-            </a:extLst>
-          </p:cNvPr>
-          <p:cNvSpPr>
-            <a:spLocks noGrp="1"/>
-          </p:cNvSpPr>
-          <p:nvPr>
-            <p:ph type="title"/>
-          </p:nvPr>
-        </p:nvSpPr>
-        <p:spPr/>
-        <p:txBody>
-          <a:bodyPr/>
-          <a:lstStyle/>
-          <a:p>
-            <a:pPr algn="r" rtl="1"/>
-            <a:r>
-              <a:rPr lang="en-US" dirty="0"/>
-              <a:t>Data Access Layer</a:t>
-            </a:r>
-            <a:endParaRPr lang="en-IL" dirty="0"/>
-          </a:p>
-        </p:txBody>
-      </p:sp>
-      <p:sp>
-        <p:nvSpPr>
-          <p:cNvPr id="3" name="Content Placeholder 2">
-            <a:extLst>
-              <a:ext uri="{FF2B5EF4-FFF2-40B4-BE49-F238E27FC236}">
-                <a16:creationId xmlns:a16="http://schemas.microsoft.com/office/drawing/2014/main" id="{611AACD8-8E2F-07A7-8E1F-3C410A71E4DE}"/>
-              </a:ext>
-            </a:extLst>
-          </p:cNvPr>
-          <p:cNvSpPr>
-            <a:spLocks noGrp="1"/>
-          </p:cNvSpPr>
-          <p:nvPr>
-            <p:ph idx="1"/>
-          </p:nvPr>
-        </p:nvSpPr>
-        <p:spPr/>
-        <p:txBody>
-          <a:bodyPr/>
-          <a:lstStyle/>
-          <a:p>
-            <a:pPr marL="0" indent="0" algn="r">
-              <a:buNone/>
-            </a:pPr>
-            <a:r>
-              <a:rPr lang="he-IL" dirty="0"/>
-              <a:t>ניצור ריפוזיטורי עבור כל ישות בצורה הבאה:</a:t>
-            </a:r>
-          </a:p>
-          <a:p>
-            <a:pPr marL="0" indent="0" algn="r">
-              <a:buNone/>
-            </a:pPr>
-            <a:endParaRPr lang="he-IL" dirty="0"/>
-          </a:p>
-          <a:p>
-            <a:pPr marL="0" indent="0" algn="r">
-              <a:buNone/>
-            </a:pPr>
-            <a:endParaRPr lang="en-IL" dirty="0"/>
-          </a:p>
-        </p:txBody>
-      </p:sp>
-      <p:pic>
-        <p:nvPicPr>
-          <p:cNvPr id="7" name="Picture 6">
-            <a:extLst>
-              <a:ext uri="{FF2B5EF4-FFF2-40B4-BE49-F238E27FC236}">
-                <a16:creationId xmlns:a16="http://schemas.microsoft.com/office/drawing/2014/main" id="{564B11B1-9E08-F415-5E37-C678E03CAEEB}"/>
-              </a:ext>
-            </a:extLst>
-          </p:cNvPr>
-          <p:cNvPicPr>
-            <a:picLocks noChangeAspect="1"/>
-          </p:cNvPicPr>
-          <p:nvPr/>
-        </p:nvPicPr>
-        <p:blipFill>
-          <a:blip r:embed="rId2"/>
-          <a:stretch>
-            <a:fillRect/>
-          </a:stretch>
-        </p:blipFill>
-        <p:spPr>
-          <a:xfrm>
-            <a:off x="2648138" y="2849541"/>
-            <a:ext cx="6511842" cy="2884493"/>
-          </a:xfrm>
-          <a:prstGeom prst="rect">
-            <a:avLst/>
-          </a:prstGeom>
-        </p:spPr>
-      </p:pic>
-      <p:sp>
-        <p:nvSpPr>
-          <p:cNvPr id="9" name="Arrow: Left 8">
-            <a:extLst>
-              <a:ext uri="{FF2B5EF4-FFF2-40B4-BE49-F238E27FC236}">
-                <a16:creationId xmlns:a16="http://schemas.microsoft.com/office/drawing/2014/main" id="{4B763AA0-6D99-5159-35D3-DB881B88BDCE}"/>
-              </a:ext>
-            </a:extLst>
-          </p:cNvPr>
-          <p:cNvSpPr/>
-          <p:nvPr/>
-        </p:nvSpPr>
-        <p:spPr>
-          <a:xfrm rot="20408143">
-            <a:off x="8105717" y="4572411"/>
-            <a:ext cx="1011382" cy="429491"/>
-          </a:xfrm>
-          <a:prstGeom prst="leftArrow">
-            <a:avLst/>
-          </a:prstGeom>
-          <a:solidFill>
-            <a:schemeClr val="tx1"/>
-          </a:solidFill>
-        </p:spPr>
-        <p:style>
-          <a:lnRef idx="2">
-            <a:schemeClr val="accent1">
-              <a:shade val="50000"/>
-            </a:schemeClr>
-          </a:lnRef>
-          <a:fillRef idx="1">
-            <a:schemeClr val="accent1"/>
-          </a:fillRef>
-          <a:effectRef idx="0">
-            <a:schemeClr val="accent1"/>
-          </a:effectRef>
-          <a:fontRef idx="minor">
-            <a:schemeClr val="lt1"/>
-          </a:fontRef>
-        </p:style>
-        <p:txBody>
-          <a:bodyPr rtlCol="0" anchor="ctr"/>
-          <a:lstStyle/>
-          <a:p>
-            <a:pPr algn="ctr"/>
-            <a:endParaRPr lang="en-IL"/>
-          </a:p>
-        </p:txBody>
-      </p:sp>
-      <p:sp>
-        <p:nvSpPr>
-          <p:cNvPr id="10" name="Rectangle 9">
-            <a:extLst>
-              <a:ext uri="{FF2B5EF4-FFF2-40B4-BE49-F238E27FC236}">
-                <a16:creationId xmlns:a16="http://schemas.microsoft.com/office/drawing/2014/main" id="{19626CC0-750E-D6C1-CFA5-1C4D6587BB3E}"/>
-              </a:ext>
-            </a:extLst>
-          </p:cNvPr>
-          <p:cNvSpPr/>
-          <p:nvPr/>
-        </p:nvSpPr>
-        <p:spPr>
-          <a:xfrm>
-            <a:off x="9159980" y="4101631"/>
-            <a:ext cx="1928708" cy="782096"/>
-          </a:xfrm>
-          <a:prstGeom prst="rect">
-            <a:avLst/>
-          </a:prstGeom>
-          <a:solidFill>
-            <a:schemeClr val="tx1"/>
-          </a:solidFill>
-        </p:spPr>
-        <p:style>
-          <a:lnRef idx="2">
-            <a:schemeClr val="accent1">
-              <a:shade val="50000"/>
-            </a:schemeClr>
-          </a:lnRef>
-          <a:fillRef idx="1">
-            <a:schemeClr val="accent1"/>
-          </a:fillRef>
-          <a:effectRef idx="0">
-            <a:schemeClr val="accent1"/>
-          </a:effectRef>
-          <a:fontRef idx="minor">
-            <a:schemeClr val="lt1"/>
-          </a:fontRef>
-        </p:style>
-        <p:txBody>
-          <a:bodyPr rtlCol="0" anchor="ctr"/>
-          <a:lstStyle/>
-          <a:p>
-            <a:pPr algn="ctr"/>
-            <a:r>
-              <a:rPr lang="he-IL" dirty="0">
-                <a:solidFill>
-                  <a:schemeClr val="bg1"/>
-                </a:solidFill>
-              </a:rPr>
-              <a:t>טיפוס המפתח.</a:t>
-            </a:r>
-            <a:br>
-              <a:rPr lang="en-US" dirty="0">
-                <a:solidFill>
-                  <a:schemeClr val="bg1"/>
-                </a:solidFill>
-              </a:rPr>
-            </a:br>
-            <a:r>
-              <a:rPr lang="he-IL" dirty="0">
-                <a:solidFill>
-                  <a:schemeClr val="bg1"/>
-                </a:solidFill>
-              </a:rPr>
-              <a:t>במקרה שלנו</a:t>
-            </a:r>
-            <a:r>
-              <a:rPr lang="en-US" dirty="0">
-                <a:solidFill>
-                  <a:schemeClr val="bg1"/>
-                </a:solidFill>
-              </a:rPr>
-              <a:t> UUID </a:t>
-            </a:r>
-            <a:endParaRPr lang="en-IL" dirty="0">
-              <a:solidFill>
-                <a:schemeClr val="bg1"/>
-              </a:solidFill>
-            </a:endParaRPr>
-          </a:p>
-        </p:txBody>
-      </p:sp>
-    </p:spTree>
-    <p:extLst>
-      <p:ext uri="{BB962C8B-B14F-4D97-AF65-F5344CB8AC3E}">
-        <p14:creationId xmlns:p14="http://schemas.microsoft.com/office/powerpoint/2010/main" val="2504251919"/>
-      </p:ext>
-    </p:extLst>
-  </p:cSld>
-  <p:clrMapOvr>
-    <a:masterClrMapping/>
-  </p:clrMapOvr>
-</p:sld>
-</file>
-
-<file path=ppt/slides/slide8.xml><?xml version="1.0" encoding="utf-8"?>
-<p:sld xmlns:a="http://schemas.openxmlformats.org/drawingml/2006/main" xmlns:r="http://schemas.openxmlformats.org/officeDocument/2006/relationships" xmlns:p="http://schemas.openxmlformats.org/presentationml/2006/main">
-  <p:cSld>
-    <p:spTree>
-      <p:nvGrpSpPr>
-        <p:cNvPr id="1" name=""/>
-        <p:cNvGrpSpPr/>
-        <p:nvPr/>
-      </p:nvGrpSpPr>
-      <p:grpSpPr>
-        <a:xfrm>
-          <a:off x="0" y="0"/>
-          <a:ext cx="0" cy="0"/>
-          <a:chOff x="0" y="0"/>
-          <a:chExt cx="0" cy="0"/>
-        </a:xfrm>
-      </p:grpSpPr>
-      <p:sp>
-        <p:nvSpPr>
-          <p:cNvPr id="3" name="Content Placeholder 2">
-            <a:extLst>
-              <a:ext uri="{FF2B5EF4-FFF2-40B4-BE49-F238E27FC236}">
-                <a16:creationId xmlns:a16="http://schemas.microsoft.com/office/drawing/2014/main" id="{F649474A-C899-EB34-55F1-08A0E09D87D2}"/>
-              </a:ext>
-            </a:extLst>
-          </p:cNvPr>
-          <p:cNvSpPr>
-            <a:spLocks noGrp="1"/>
-          </p:cNvSpPr>
-          <p:nvPr>
-            <p:ph idx="1"/>
-          </p:nvPr>
-        </p:nvSpPr>
-        <p:spPr/>
-        <p:txBody>
-          <a:bodyPr/>
-          <a:lstStyle/>
-          <a:p>
-            <a:pPr marL="0" indent="0" algn="r" rtl="1">
-              <a:buNone/>
-            </a:pPr>
-            <a:r>
-              <a:rPr lang="he-IL" dirty="0"/>
-              <a:t>נוסיף את השורות הבאות ב</a:t>
-            </a:r>
-            <a:r>
-              <a:rPr lang="en-US" dirty="0"/>
-              <a:t>SERVICE</a:t>
-            </a:r>
-            <a:r>
-              <a:rPr lang="he-IL" dirty="0"/>
-              <a:t>, ונוכל לבצע את השינויים במסד הנתונים:</a:t>
-            </a:r>
-            <a:br>
-              <a:rPr lang="en-US" dirty="0"/>
-            </a:br>
-            <a:r>
-              <a:rPr lang="he-IL" dirty="0"/>
-              <a:t>(שימו לב, לא מימשנו את הפונקציות האלה ועדין נוכל להשתמש בהן, כמו קסם </a:t>
-            </a:r>
-            <a:r>
-              <a:rPr lang="he-IL" dirty="0">
-                <a:sym typeface="Wingdings" panose="05000000000000000000" pitchFamily="2" charset="2"/>
-              </a:rPr>
-              <a:t> )</a:t>
-            </a:r>
-            <a:endParaRPr lang="en-IL" dirty="0"/>
-          </a:p>
-        </p:txBody>
-      </p:sp>
-      <p:pic>
-        <p:nvPicPr>
-          <p:cNvPr id="5" name="Picture 4">
-            <a:extLst>
-              <a:ext uri="{FF2B5EF4-FFF2-40B4-BE49-F238E27FC236}">
-                <a16:creationId xmlns:a16="http://schemas.microsoft.com/office/drawing/2014/main" id="{D23C032E-7ED2-C6E4-7397-5316272CA571}"/>
-              </a:ext>
-            </a:extLst>
-          </p:cNvPr>
-          <p:cNvPicPr>
-            <a:picLocks noChangeAspect="1"/>
-          </p:cNvPicPr>
-          <p:nvPr/>
-        </p:nvPicPr>
-        <p:blipFill>
-          <a:blip r:embed="rId2"/>
-          <a:stretch>
-            <a:fillRect/>
-          </a:stretch>
-        </p:blipFill>
-        <p:spPr>
-          <a:xfrm>
-            <a:off x="2507834" y="3039022"/>
-            <a:ext cx="6359075" cy="3366260"/>
-          </a:xfrm>
-          <a:prstGeom prst="rect">
-            <a:avLst/>
-          </a:prstGeom>
-        </p:spPr>
-      </p:pic>
-      <p:sp>
-        <p:nvSpPr>
-          <p:cNvPr id="6" name="Title 1">
-            <a:extLst>
-              <a:ext uri="{FF2B5EF4-FFF2-40B4-BE49-F238E27FC236}">
-                <a16:creationId xmlns:a16="http://schemas.microsoft.com/office/drawing/2014/main" id="{41217526-F2F7-4AAE-69ED-CFD7694C761A}"/>
-              </a:ext>
-            </a:extLst>
-          </p:cNvPr>
-          <p:cNvSpPr>
-            <a:spLocks noGrp="1"/>
-          </p:cNvSpPr>
-          <p:nvPr>
-            <p:ph type="title"/>
-          </p:nvPr>
-        </p:nvSpPr>
-        <p:spPr>
-          <a:xfrm>
-            <a:off x="646111" y="452718"/>
-            <a:ext cx="9404723" cy="1400530"/>
-          </a:xfrm>
-        </p:spPr>
-        <p:txBody>
-          <a:bodyPr/>
-          <a:lstStyle/>
-          <a:p>
-            <a:pPr algn="r" rtl="1"/>
-            <a:r>
-              <a:rPr lang="en-US" dirty="0"/>
-              <a:t>Data Access Layer</a:t>
-            </a:r>
-            <a:endParaRPr lang="en-IL" dirty="0"/>
-          </a:p>
-        </p:txBody>
-      </p:sp>
-    </p:spTree>
-    <p:extLst>
-      <p:ext uri="{BB962C8B-B14F-4D97-AF65-F5344CB8AC3E}">
-        <p14:creationId xmlns:p14="http://schemas.microsoft.com/office/powerpoint/2010/main" val="483620779"/>
       </p:ext>
     </p:extLst>
   </p:cSld>
